--- a/koss selection task.pptx
+++ b/koss selection task.pptx
@@ -8,8 +8,13 @@
     <p:sldId id="257" r:id="rId2"/>
     <p:sldId id="259" r:id="rId3"/>
     <p:sldId id="260" r:id="rId4"/>
-    <p:sldId id="261" r:id="rId5"/>
-    <p:sldId id="262" r:id="rId6"/>
+    <p:sldId id="266" r:id="rId5"/>
+    <p:sldId id="267" r:id="rId6"/>
+    <p:sldId id="261" r:id="rId7"/>
+    <p:sldId id="265" r:id="rId8"/>
+    <p:sldId id="264" r:id="rId9"/>
+    <p:sldId id="262" r:id="rId10"/>
+    <p:sldId id="263" r:id="rId11"/>
   </p:sldIdLst>
   <p:sldSz cx="12192000" cy="6858000"/>
   <p:notesSz cx="6858000" cy="9144000"/>
@@ -257,7 +262,7 @@
               <a:rPr lang="en-IN" smtClean="0"/>
               <a:t>08-04-2025</a:t>
             </a:fld>
-            <a:endParaRPr lang="en-IN"/>
+            <a:endParaRPr lang="en-IN" dirty="0"/>
           </a:p>
         </p:txBody>
       </p:sp>
@@ -281,7 +286,7 @@
           <a:bodyPr/>
           <a:lstStyle/>
           <a:p>
-            <a:endParaRPr lang="en-IN"/>
+            <a:endParaRPr lang="en-IN" dirty="0"/>
           </a:p>
         </p:txBody>
       </p:sp>
@@ -309,7 +314,7 @@
               <a:rPr lang="en-IN" smtClean="0"/>
               <a:t>‹#›</a:t>
             </a:fld>
-            <a:endParaRPr lang="en-IN"/>
+            <a:endParaRPr lang="en-IN" dirty="0"/>
           </a:p>
         </p:txBody>
       </p:sp>
@@ -468,7 +473,7 @@
               <a:rPr lang="en-IN" smtClean="0"/>
               <a:t>08-04-2025</a:t>
             </a:fld>
-            <a:endParaRPr lang="en-IN"/>
+            <a:endParaRPr lang="en-IN" dirty="0"/>
           </a:p>
         </p:txBody>
       </p:sp>
@@ -487,7 +492,7 @@
           <a:bodyPr/>
           <a:lstStyle/>
           <a:p>
-            <a:endParaRPr lang="en-IN"/>
+            <a:endParaRPr lang="en-IN" dirty="0"/>
           </a:p>
         </p:txBody>
       </p:sp>
@@ -510,7 +515,7 @@
               <a:rPr lang="en-IN" smtClean="0"/>
               <a:t>‹#›</a:t>
             </a:fld>
-            <a:endParaRPr lang="en-IN"/>
+            <a:endParaRPr lang="en-IN" dirty="0"/>
           </a:p>
         </p:txBody>
       </p:sp>
@@ -683,7 +688,7 @@
               <a:rPr lang="en-IN" smtClean="0"/>
               <a:t>08-04-2025</a:t>
             </a:fld>
-            <a:endParaRPr lang="en-IN"/>
+            <a:endParaRPr lang="en-IN" dirty="0"/>
           </a:p>
         </p:txBody>
       </p:sp>
@@ -702,7 +707,7 @@
           <a:bodyPr/>
           <a:lstStyle/>
           <a:p>
-            <a:endParaRPr lang="en-IN"/>
+            <a:endParaRPr lang="en-IN" dirty="0"/>
           </a:p>
         </p:txBody>
       </p:sp>
@@ -725,7 +730,7 @@
               <a:rPr lang="en-IN" smtClean="0"/>
               <a:t>‹#›</a:t>
             </a:fld>
-            <a:endParaRPr lang="en-IN"/>
+            <a:endParaRPr lang="en-IN" dirty="0"/>
           </a:p>
         </p:txBody>
       </p:sp>
@@ -884,7 +889,7 @@
               <a:rPr lang="en-IN" smtClean="0"/>
               <a:t>08-04-2025</a:t>
             </a:fld>
-            <a:endParaRPr lang="en-IN"/>
+            <a:endParaRPr lang="en-IN" dirty="0"/>
           </a:p>
         </p:txBody>
       </p:sp>
@@ -903,7 +908,7 @@
           <a:bodyPr/>
           <a:lstStyle/>
           <a:p>
-            <a:endParaRPr lang="en-IN"/>
+            <a:endParaRPr lang="en-IN" dirty="0"/>
           </a:p>
         </p:txBody>
       </p:sp>
@@ -926,7 +931,7 @@
               <a:rPr lang="en-IN" smtClean="0"/>
               <a:t>‹#›</a:t>
             </a:fld>
-            <a:endParaRPr lang="en-IN"/>
+            <a:endParaRPr lang="en-IN" dirty="0"/>
           </a:p>
         </p:txBody>
       </p:sp>
@@ -1163,7 +1168,7 @@
               <a:rPr lang="en-IN" smtClean="0"/>
               <a:t>08-04-2025</a:t>
             </a:fld>
-            <a:endParaRPr lang="en-IN"/>
+            <a:endParaRPr lang="en-IN" dirty="0"/>
           </a:p>
         </p:txBody>
       </p:sp>
@@ -1182,7 +1187,7 @@
           <a:bodyPr/>
           <a:lstStyle/>
           <a:p>
-            <a:endParaRPr lang="en-IN"/>
+            <a:endParaRPr lang="en-IN" dirty="0"/>
           </a:p>
         </p:txBody>
       </p:sp>
@@ -1205,7 +1210,7 @@
               <a:rPr lang="en-IN" smtClean="0"/>
               <a:t>‹#›</a:t>
             </a:fld>
-            <a:endParaRPr lang="en-IN"/>
+            <a:endParaRPr lang="en-IN" dirty="0"/>
           </a:p>
         </p:txBody>
       </p:sp>
@@ -1431,7 +1436,7 @@
               <a:rPr lang="en-IN" smtClean="0"/>
               <a:t>08-04-2025</a:t>
             </a:fld>
-            <a:endParaRPr lang="en-IN"/>
+            <a:endParaRPr lang="en-IN" dirty="0"/>
           </a:p>
         </p:txBody>
       </p:sp>
@@ -1450,7 +1455,7 @@
           <a:bodyPr/>
           <a:lstStyle/>
           <a:p>
-            <a:endParaRPr lang="en-IN"/>
+            <a:endParaRPr lang="en-IN" dirty="0"/>
           </a:p>
         </p:txBody>
       </p:sp>
@@ -1473,7 +1478,7 @@
               <a:rPr lang="en-IN" smtClean="0"/>
               <a:t>‹#›</a:t>
             </a:fld>
-            <a:endParaRPr lang="en-IN"/>
+            <a:endParaRPr lang="en-IN" dirty="0"/>
           </a:p>
         </p:txBody>
       </p:sp>
@@ -1847,7 +1852,7 @@
               <a:rPr lang="en-IN" smtClean="0"/>
               <a:t>08-04-2025</a:t>
             </a:fld>
-            <a:endParaRPr lang="en-IN"/>
+            <a:endParaRPr lang="en-IN" dirty="0"/>
           </a:p>
         </p:txBody>
       </p:sp>
@@ -1866,7 +1871,7 @@
           <a:bodyPr/>
           <a:lstStyle/>
           <a:p>
-            <a:endParaRPr lang="en-IN"/>
+            <a:endParaRPr lang="en-IN" dirty="0"/>
           </a:p>
         </p:txBody>
       </p:sp>
@@ -1889,7 +1894,7 @@
               <a:rPr lang="en-IN" smtClean="0"/>
               <a:t>‹#›</a:t>
             </a:fld>
-            <a:endParaRPr lang="en-IN"/>
+            <a:endParaRPr lang="en-IN" dirty="0"/>
           </a:p>
         </p:txBody>
       </p:sp>
@@ -1996,7 +2001,7 @@
               <a:rPr lang="en-IN" smtClean="0"/>
               <a:t>08-04-2025</a:t>
             </a:fld>
-            <a:endParaRPr lang="en-IN"/>
+            <a:endParaRPr lang="en-IN" dirty="0"/>
           </a:p>
         </p:txBody>
       </p:sp>
@@ -2015,7 +2020,7 @@
           <a:bodyPr/>
           <a:lstStyle/>
           <a:p>
-            <a:endParaRPr lang="en-IN"/>
+            <a:endParaRPr lang="en-IN" dirty="0"/>
           </a:p>
         </p:txBody>
       </p:sp>
@@ -2038,7 +2043,7 @@
               <a:rPr lang="en-IN" smtClean="0"/>
               <a:t>‹#›</a:t>
             </a:fld>
-            <a:endParaRPr lang="en-IN"/>
+            <a:endParaRPr lang="en-IN" dirty="0"/>
           </a:p>
         </p:txBody>
       </p:sp>
@@ -2122,7 +2127,7 @@
               <a:rPr lang="en-IN" smtClean="0"/>
               <a:t>08-04-2025</a:t>
             </a:fld>
-            <a:endParaRPr lang="en-IN"/>
+            <a:endParaRPr lang="en-IN" dirty="0"/>
           </a:p>
         </p:txBody>
       </p:sp>
@@ -2141,7 +2146,7 @@
           <a:bodyPr/>
           <a:lstStyle/>
           <a:p>
-            <a:endParaRPr lang="en-IN"/>
+            <a:endParaRPr lang="en-IN" dirty="0"/>
           </a:p>
         </p:txBody>
       </p:sp>
@@ -2164,7 +2169,7 @@
               <a:rPr lang="en-IN" smtClean="0"/>
               <a:t>‹#›</a:t>
             </a:fld>
-            <a:endParaRPr lang="en-IN"/>
+            <a:endParaRPr lang="en-IN" dirty="0"/>
           </a:p>
         </p:txBody>
       </p:sp>
@@ -2373,7 +2378,7 @@
               <a:rPr lang="en-IN" smtClean="0"/>
               <a:t>08-04-2025</a:t>
             </a:fld>
-            <a:endParaRPr lang="en-IN"/>
+            <a:endParaRPr lang="en-IN" dirty="0"/>
           </a:p>
         </p:txBody>
       </p:sp>
@@ -2392,7 +2397,7 @@
           <a:bodyPr/>
           <a:lstStyle/>
           <a:p>
-            <a:endParaRPr lang="en-IN"/>
+            <a:endParaRPr lang="en-IN" dirty="0"/>
           </a:p>
         </p:txBody>
       </p:sp>
@@ -2415,7 +2420,7 @@
               <a:rPr lang="en-IN" smtClean="0"/>
               <a:t>‹#›</a:t>
             </a:fld>
-            <a:endParaRPr lang="en-IN"/>
+            <a:endParaRPr lang="en-IN" dirty="0"/>
           </a:p>
         </p:txBody>
       </p:sp>
@@ -2716,10 +2721,9 @@
           </a:lstStyle>
           <a:p>
             <a:r>
-              <a:rPr lang="en-US"/>
+              <a:rPr lang="en-US" dirty="0"/>
               <a:t>Click icon to add picture</a:t>
             </a:r>
-            <a:endParaRPr lang="en-US" dirty="0"/>
           </a:p>
         </p:txBody>
       </p:sp>
@@ -2818,7 +2822,7 @@
               <a:rPr lang="en-IN" smtClean="0"/>
               <a:t>08-04-2025</a:t>
             </a:fld>
-            <a:endParaRPr lang="en-IN"/>
+            <a:endParaRPr lang="en-IN" dirty="0"/>
           </a:p>
         </p:txBody>
       </p:sp>
@@ -2842,7 +2846,7 @@
           <a:bodyPr/>
           <a:lstStyle/>
           <a:p>
-            <a:endParaRPr lang="en-IN"/>
+            <a:endParaRPr lang="en-IN" dirty="0"/>
           </a:p>
         </p:txBody>
       </p:sp>
@@ -2865,7 +2869,7 @@
               <a:rPr lang="en-IN" smtClean="0"/>
               <a:t>‹#›</a:t>
             </a:fld>
-            <a:endParaRPr lang="en-IN"/>
+            <a:endParaRPr lang="en-IN" dirty="0"/>
           </a:p>
         </p:txBody>
       </p:sp>
@@ -3145,7 +3149,7 @@
               <a:rPr lang="en-IN" smtClean="0"/>
               <a:t>08-04-2025</a:t>
             </a:fld>
-            <a:endParaRPr lang="en-IN"/>
+            <a:endParaRPr lang="en-IN" dirty="0"/>
           </a:p>
         </p:txBody>
       </p:sp>
@@ -3182,7 +3186,7 @@
             </a:lvl1pPr>
           </a:lstStyle>
           <a:p>
-            <a:endParaRPr lang="en-IN"/>
+            <a:endParaRPr lang="en-IN" dirty="0"/>
           </a:p>
         </p:txBody>
       </p:sp>
@@ -3221,7 +3225,7 @@
               <a:rPr lang="en-IN" smtClean="0"/>
               <a:t>‹#›</a:t>
             </a:fld>
-            <a:endParaRPr lang="en-IN"/>
+            <a:endParaRPr lang="en-IN" dirty="0"/>
           </a:p>
         </p:txBody>
       </p:sp>
@@ -3871,6 +3875,201 @@
 </p:sld>
 </file>
 
+<file path=ppt/slides/slide10.xml><?xml version="1.0" encoding="utf-8"?>
+<p:sld xmlns:a="http://schemas.openxmlformats.org/drawingml/2006/main" xmlns:r="http://schemas.openxmlformats.org/officeDocument/2006/relationships" xmlns:p="http://schemas.openxmlformats.org/presentationml/2006/main">
+  <p:cSld>
+    <p:spTree>
+      <p:nvGrpSpPr>
+        <p:cNvPr id="1" name="">
+          <a:extLst>
+            <a:ext uri="{FF2B5EF4-FFF2-40B4-BE49-F238E27FC236}">
+              <a16:creationId xmlns:a16="http://schemas.microsoft.com/office/drawing/2014/main" id="{C769A44D-2733-9C10-A56C-13E4DB11749B}"/>
+            </a:ext>
+          </a:extLst>
+        </p:cNvPr>
+        <p:cNvGrpSpPr/>
+        <p:nvPr/>
+      </p:nvGrpSpPr>
+      <p:grpSpPr>
+        <a:xfrm>
+          <a:off x="0" y="0"/>
+          <a:ext cx="0" cy="0"/>
+          <a:chOff x="0" y="0"/>
+          <a:chExt cx="0" cy="0"/>
+        </a:xfrm>
+      </p:grpSpPr>
+      <p:sp>
+        <p:nvSpPr>
+          <p:cNvPr id="2" name="TextBox 1">
+            <a:extLst>
+              <a:ext uri="{FF2B5EF4-FFF2-40B4-BE49-F238E27FC236}">
+                <a16:creationId xmlns:a16="http://schemas.microsoft.com/office/drawing/2014/main" id="{753DD587-14E0-0618-F15D-C272CFFB91CC}"/>
+              </a:ext>
+            </a:extLst>
+          </p:cNvPr>
+          <p:cNvSpPr txBox="1"/>
+          <p:nvPr/>
+        </p:nvSpPr>
+        <p:spPr>
+          <a:xfrm>
+            <a:off x="1464754" y="87975"/>
+            <a:ext cx="9262491" cy="646331"/>
+          </a:xfrm>
+          <a:prstGeom prst="rect">
+            <a:avLst/>
+          </a:prstGeom>
+          <a:noFill/>
+        </p:spPr>
+        <p:txBody>
+          <a:bodyPr wrap="square" rtlCol="0">
+            <a:spAutoFit/>
+          </a:bodyPr>
+          <a:lstStyle/>
+          <a:p>
+            <a:pPr algn="ctr"/>
+            <a:r>
+              <a:rPr lang="en-IN" sz="3600" u="sng" dirty="0">
+                <a:latin typeface="Calibri" panose="020F0502020204030204" pitchFamily="34" charset="0"/>
+                <a:ea typeface="Calibri" panose="020F0502020204030204" pitchFamily="34" charset="0"/>
+                <a:cs typeface="Calibri" panose="020F0502020204030204" pitchFamily="34" charset="0"/>
+              </a:rPr>
+              <a:t>ERROR HANDLER</a:t>
+            </a:r>
+          </a:p>
+        </p:txBody>
+      </p:sp>
+      <p:sp>
+        <p:nvSpPr>
+          <p:cNvPr id="5" name="TextBox 4">
+            <a:extLst>
+              <a:ext uri="{FF2B5EF4-FFF2-40B4-BE49-F238E27FC236}">
+                <a16:creationId xmlns:a16="http://schemas.microsoft.com/office/drawing/2014/main" id="{53C2CF39-5015-62F1-9F26-C74469A64149}"/>
+              </a:ext>
+            </a:extLst>
+          </p:cNvPr>
+          <p:cNvSpPr txBox="1"/>
+          <p:nvPr/>
+        </p:nvSpPr>
+        <p:spPr>
+          <a:xfrm>
+            <a:off x="1894331" y="1859339"/>
+            <a:ext cx="8403336" cy="3139321"/>
+          </a:xfrm>
+          <a:prstGeom prst="rect">
+            <a:avLst/>
+          </a:prstGeom>
+          <a:noFill/>
+        </p:spPr>
+        <p:txBody>
+          <a:bodyPr wrap="square" rtlCol="0">
+            <a:spAutoFit/>
+          </a:bodyPr>
+          <a:lstStyle/>
+          <a:p>
+            <a:r>
+              <a:rPr lang="en-IN" dirty="0">
+                <a:latin typeface="Calibri" panose="020F0502020204030204" pitchFamily="34" charset="0"/>
+                <a:ea typeface="Calibri" panose="020F0502020204030204" pitchFamily="34" charset="0"/>
+                <a:cs typeface="Calibri" panose="020F0502020204030204" pitchFamily="34" charset="0"/>
+              </a:rPr>
+              <a:t>Error handler is responsible to continue the compilation process even if any error occurs at any phase (1, 2 or 3). After phase 3 if the error handler object is empty, then the source code is free of error and it can be converted into target code. If the error handler object is not empty, the compilation process is terminated and the errors are displayed.</a:t>
+            </a:r>
+          </a:p>
+          <a:p>
+            <a:endParaRPr lang="en-IN" dirty="0">
+              <a:latin typeface="Calibri" panose="020F0502020204030204" pitchFamily="34" charset="0"/>
+              <a:ea typeface="Calibri" panose="020F0502020204030204" pitchFamily="34" charset="0"/>
+              <a:cs typeface="Calibri" panose="020F0502020204030204" pitchFamily="34" charset="0"/>
+            </a:endParaRPr>
+          </a:p>
+          <a:p>
+            <a:r>
+              <a:rPr lang="en-IN" dirty="0">
+                <a:latin typeface="Calibri" panose="020F0502020204030204" pitchFamily="34" charset="0"/>
+                <a:ea typeface="Calibri" panose="020F0502020204030204" pitchFamily="34" charset="0"/>
+                <a:cs typeface="Calibri" panose="020F0502020204030204" pitchFamily="34" charset="0"/>
+              </a:rPr>
+              <a:t>There are three types of compilation errors:</a:t>
+            </a:r>
+          </a:p>
+          <a:p>
+            <a:pPr marL="285750" indent="-285750">
+              <a:buFont typeface="Arial" panose="020B0604020202020204" pitchFamily="34" charset="0"/>
+              <a:buChar char="•"/>
+            </a:pPr>
+            <a:r>
+              <a:rPr lang="en-IN" dirty="0">
+                <a:latin typeface="Calibri" panose="020F0502020204030204" pitchFamily="34" charset="0"/>
+                <a:ea typeface="Calibri" panose="020F0502020204030204" pitchFamily="34" charset="0"/>
+                <a:cs typeface="Calibri" panose="020F0502020204030204" pitchFamily="34" charset="0"/>
+              </a:rPr>
+              <a:t>Lexical Error</a:t>
+            </a:r>
+          </a:p>
+          <a:p>
+            <a:pPr marL="285750" indent="-285750">
+              <a:buFont typeface="Arial" panose="020B0604020202020204" pitchFamily="34" charset="0"/>
+              <a:buChar char="•"/>
+            </a:pPr>
+            <a:r>
+              <a:rPr lang="en-IN" dirty="0">
+                <a:latin typeface="Calibri" panose="020F0502020204030204" pitchFamily="34" charset="0"/>
+                <a:ea typeface="Calibri" panose="020F0502020204030204" pitchFamily="34" charset="0"/>
+                <a:cs typeface="Calibri" panose="020F0502020204030204" pitchFamily="34" charset="0"/>
+              </a:rPr>
+              <a:t>Syntax Error</a:t>
+            </a:r>
+          </a:p>
+          <a:p>
+            <a:pPr marL="285750" indent="-285750">
+              <a:buFont typeface="Arial" panose="020B0604020202020204" pitchFamily="34" charset="0"/>
+              <a:buChar char="•"/>
+            </a:pPr>
+            <a:r>
+              <a:rPr lang="en-IN" dirty="0">
+                <a:latin typeface="Calibri" panose="020F0502020204030204" pitchFamily="34" charset="0"/>
+                <a:ea typeface="Calibri" panose="020F0502020204030204" pitchFamily="34" charset="0"/>
+                <a:cs typeface="Calibri" panose="020F0502020204030204" pitchFamily="34" charset="0"/>
+              </a:rPr>
+              <a:t>Semantic Error</a:t>
+            </a:r>
+          </a:p>
+          <a:p>
+            <a:pPr marL="285750" indent="-285750">
+              <a:buFont typeface="Arial" panose="020B0604020202020204" pitchFamily="34" charset="0"/>
+              <a:buChar char="•"/>
+            </a:pPr>
+            <a:endParaRPr lang="en-IN" dirty="0">
+              <a:latin typeface="Calibri" panose="020F0502020204030204" pitchFamily="34" charset="0"/>
+              <a:ea typeface="Calibri" panose="020F0502020204030204" pitchFamily="34" charset="0"/>
+              <a:cs typeface="Calibri" panose="020F0502020204030204" pitchFamily="34" charset="0"/>
+            </a:endParaRPr>
+          </a:p>
+          <a:p>
+            <a:r>
+              <a:rPr lang="en-IN" dirty="0">
+                <a:latin typeface="Calibri" panose="020F0502020204030204" pitchFamily="34" charset="0"/>
+                <a:ea typeface="Calibri" panose="020F0502020204030204" pitchFamily="34" charset="0"/>
+                <a:cs typeface="Calibri" panose="020F0502020204030204" pitchFamily="34" charset="0"/>
+              </a:rPr>
+              <a:t>However, runtime errors cannot be handled by compiler.</a:t>
+            </a:r>
+          </a:p>
+        </p:txBody>
+      </p:sp>
+    </p:spTree>
+    <p:extLst>
+      <p:ext uri="{BB962C8B-B14F-4D97-AF65-F5344CB8AC3E}">
+        <p14:creationId xmlns:p14="http://schemas.microsoft.com/office/powerpoint/2010/main" val="2765444991"/>
+      </p:ext>
+    </p:extLst>
+  </p:cSld>
+  <p:clrMapOvr>
+    <a:masterClrMapping/>
+  </p:clrMapOvr>
+</p:sld>
+</file>
+
 <file path=ppt/slides/slide2.xml><?xml version="1.0" encoding="utf-8"?>
 <p:sld xmlns:a="http://schemas.openxmlformats.org/drawingml/2006/main" xmlns:r="http://schemas.openxmlformats.org/officeDocument/2006/relationships" xmlns:p="http://schemas.openxmlformats.org/presentationml/2006/main">
   <p:cSld>
@@ -4792,6 +4991,380 @@
         <p:cNvPr id="1" name="">
           <a:extLst>
             <a:ext uri="{FF2B5EF4-FFF2-40B4-BE49-F238E27FC236}">
+              <a16:creationId xmlns:a16="http://schemas.microsoft.com/office/drawing/2014/main" id="{490EB53E-8E9A-0B01-5467-A876ED2F38EC}"/>
+            </a:ext>
+          </a:extLst>
+        </p:cNvPr>
+        <p:cNvGrpSpPr/>
+        <p:nvPr/>
+      </p:nvGrpSpPr>
+      <p:grpSpPr>
+        <a:xfrm>
+          <a:off x="0" y="0"/>
+          <a:ext cx="0" cy="0"/>
+          <a:chOff x="0" y="0"/>
+          <a:chExt cx="0" cy="0"/>
+        </a:xfrm>
+      </p:grpSpPr>
+      <p:sp>
+        <p:nvSpPr>
+          <p:cNvPr id="2" name="TextBox 1">
+            <a:extLst>
+              <a:ext uri="{FF2B5EF4-FFF2-40B4-BE49-F238E27FC236}">
+                <a16:creationId xmlns:a16="http://schemas.microsoft.com/office/drawing/2014/main" id="{06F36A8F-1411-98CF-04D2-673EC5DB434E}"/>
+              </a:ext>
+            </a:extLst>
+          </p:cNvPr>
+          <p:cNvSpPr txBox="1"/>
+          <p:nvPr/>
+        </p:nvSpPr>
+        <p:spPr>
+          <a:xfrm>
+            <a:off x="2379821" y="0"/>
+            <a:ext cx="7432358" cy="646331"/>
+          </a:xfrm>
+          <a:prstGeom prst="rect">
+            <a:avLst/>
+          </a:prstGeom>
+          <a:noFill/>
+        </p:spPr>
+        <p:txBody>
+          <a:bodyPr wrap="square" rtlCol="0">
+            <a:spAutoFit/>
+          </a:bodyPr>
+          <a:lstStyle/>
+          <a:p>
+            <a:pPr algn="ctr"/>
+            <a:r>
+              <a:rPr lang="en-IN" sz="3600" u="sng" dirty="0">
+                <a:latin typeface="Calibri" panose="020F0502020204030204" pitchFamily="34" charset="0"/>
+                <a:ea typeface="Calibri" panose="020F0502020204030204" pitchFamily="34" charset="0"/>
+                <a:cs typeface="Calibri" panose="020F0502020204030204" pitchFamily="34" charset="0"/>
+              </a:rPr>
+              <a:t>Bootstrapping</a:t>
+            </a:r>
+          </a:p>
+        </p:txBody>
+      </p:sp>
+      <p:sp>
+        <p:nvSpPr>
+          <p:cNvPr id="3" name="TextBox 2">
+            <a:extLst>
+              <a:ext uri="{FF2B5EF4-FFF2-40B4-BE49-F238E27FC236}">
+                <a16:creationId xmlns:a16="http://schemas.microsoft.com/office/drawing/2014/main" id="{AB1BAB1E-BB81-F1CB-82BA-D4F0680F9C38}"/>
+              </a:ext>
+            </a:extLst>
+          </p:cNvPr>
+          <p:cNvSpPr txBox="1"/>
+          <p:nvPr/>
+        </p:nvSpPr>
+        <p:spPr>
+          <a:xfrm>
+            <a:off x="1040130" y="1443841"/>
+            <a:ext cx="10111740" cy="3970318"/>
+          </a:xfrm>
+          <a:prstGeom prst="rect">
+            <a:avLst/>
+          </a:prstGeom>
+          <a:noFill/>
+        </p:spPr>
+        <p:txBody>
+          <a:bodyPr wrap="square" rtlCol="0">
+            <a:spAutoFit/>
+          </a:bodyPr>
+          <a:lstStyle/>
+          <a:p>
+            <a:r>
+              <a:rPr lang="en-US" dirty="0">
+                <a:latin typeface="Calibri" panose="020F0502020204030204" pitchFamily="34" charset="0"/>
+                <a:ea typeface="Calibri" panose="020F0502020204030204" pitchFamily="34" charset="0"/>
+                <a:cs typeface="Calibri" panose="020F0502020204030204" pitchFamily="34" charset="0"/>
+              </a:rPr>
+              <a:t>Initially, compilers were written in assembly language or a low-level language specific to the hardware. As programming languages evolved, the need for writing compilers in a higher-level language became evident.</a:t>
+            </a:r>
+          </a:p>
+          <a:p>
+            <a:endParaRPr lang="en-US" dirty="0">
+              <a:latin typeface="Calibri" panose="020F0502020204030204" pitchFamily="34" charset="0"/>
+              <a:ea typeface="Calibri" panose="020F0502020204030204" pitchFamily="34" charset="0"/>
+              <a:cs typeface="Calibri" panose="020F0502020204030204" pitchFamily="34" charset="0"/>
+            </a:endParaRPr>
+          </a:p>
+          <a:p>
+            <a:r>
+              <a:rPr lang="en-US" dirty="0">
+                <a:latin typeface="Calibri" panose="020F0502020204030204" pitchFamily="34" charset="0"/>
+                <a:ea typeface="Calibri" panose="020F0502020204030204" pitchFamily="34" charset="0"/>
+                <a:cs typeface="Calibri" panose="020F0502020204030204" pitchFamily="34" charset="0"/>
+              </a:rPr>
+              <a:t>Thus, bootstrapping emerged which refers to writing a compiler in the same language it intends to compile.</a:t>
+            </a:r>
+          </a:p>
+          <a:p>
+            <a:r>
+              <a:rPr lang="en-US" dirty="0">
+                <a:latin typeface="Calibri" panose="020F0502020204030204" pitchFamily="34" charset="0"/>
+                <a:ea typeface="Calibri" panose="020F0502020204030204" pitchFamily="34" charset="0"/>
+                <a:cs typeface="Calibri" panose="020F0502020204030204" pitchFamily="34" charset="0"/>
+              </a:rPr>
+              <a:t>A simple compiler is first written in a low-level language. This is often termed as the bootstrap compiler. The compiler is then rewritten in its own higher-level language and compiled using the bootstrap compiler. This process can be iterated, with each new version of the compiler used to compile its next version.</a:t>
+            </a:r>
+          </a:p>
+          <a:p>
+            <a:endParaRPr lang="en-US" dirty="0">
+              <a:latin typeface="Calibri" panose="020F0502020204030204" pitchFamily="34" charset="0"/>
+              <a:ea typeface="Calibri" panose="020F0502020204030204" pitchFamily="34" charset="0"/>
+              <a:cs typeface="Calibri" panose="020F0502020204030204" pitchFamily="34" charset="0"/>
+            </a:endParaRPr>
+          </a:p>
+          <a:p>
+            <a:r>
+              <a:rPr lang="en-US" dirty="0">
+                <a:latin typeface="Calibri" panose="020F0502020204030204" pitchFamily="34" charset="0"/>
+                <a:ea typeface="Calibri" panose="020F0502020204030204" pitchFamily="34" charset="0"/>
+                <a:cs typeface="Calibri" panose="020F0502020204030204" pitchFamily="34" charset="0"/>
+              </a:rPr>
+              <a:t>Advantages:</a:t>
+            </a:r>
+          </a:p>
+          <a:p>
+            <a:pPr marL="285750" indent="-285750">
+              <a:buFont typeface="Arial" panose="020B0604020202020204" pitchFamily="34" charset="0"/>
+              <a:buChar char="•"/>
+            </a:pPr>
+            <a:r>
+              <a:rPr lang="en-US" dirty="0">
+                <a:latin typeface="Calibri" panose="020F0502020204030204" pitchFamily="34" charset="0"/>
+                <a:ea typeface="Calibri" panose="020F0502020204030204" pitchFamily="34" charset="0"/>
+                <a:cs typeface="Calibri" panose="020F0502020204030204" pitchFamily="34" charset="0"/>
+              </a:rPr>
+              <a:t>Ensures that the compiler is compatible with the language it is designed to compile, thus it is better able to understand and interpret the syntax and semantics of the language.</a:t>
+            </a:r>
+          </a:p>
+          <a:p>
+            <a:pPr marL="285750" indent="-285750">
+              <a:buFont typeface="Arial" panose="020B0604020202020204" pitchFamily="34" charset="0"/>
+              <a:buChar char="•"/>
+            </a:pPr>
+            <a:r>
+              <a:rPr lang="en-US" dirty="0">
+                <a:latin typeface="Calibri" panose="020F0502020204030204" pitchFamily="34" charset="0"/>
+                <a:ea typeface="Calibri" panose="020F0502020204030204" pitchFamily="34" charset="0"/>
+                <a:cs typeface="Calibri" panose="020F0502020204030204" pitchFamily="34" charset="0"/>
+              </a:rPr>
+              <a:t>Greater control over the optimization and code generation process.</a:t>
+            </a:r>
+          </a:p>
+        </p:txBody>
+      </p:sp>
+    </p:spTree>
+    <p:extLst>
+      <p:ext uri="{BB962C8B-B14F-4D97-AF65-F5344CB8AC3E}">
+        <p14:creationId xmlns:p14="http://schemas.microsoft.com/office/powerpoint/2010/main" val="959754835"/>
+      </p:ext>
+    </p:extLst>
+  </p:cSld>
+  <p:clrMapOvr>
+    <a:masterClrMapping/>
+  </p:clrMapOvr>
+</p:sld>
+</file>
+
+<file path=ppt/slides/slide5.xml><?xml version="1.0" encoding="utf-8"?>
+<p:sld xmlns:a="http://schemas.openxmlformats.org/drawingml/2006/main" xmlns:r="http://schemas.openxmlformats.org/officeDocument/2006/relationships" xmlns:p="http://schemas.openxmlformats.org/presentationml/2006/main">
+  <p:cSld>
+    <p:spTree>
+      <p:nvGrpSpPr>
+        <p:cNvPr id="1" name="">
+          <a:extLst>
+            <a:ext uri="{FF2B5EF4-FFF2-40B4-BE49-F238E27FC236}">
+              <a16:creationId xmlns:a16="http://schemas.microsoft.com/office/drawing/2014/main" id="{A12D5160-73F4-9C46-7057-BAF2EAE6F847}"/>
+            </a:ext>
+          </a:extLst>
+        </p:cNvPr>
+        <p:cNvGrpSpPr/>
+        <p:nvPr/>
+      </p:nvGrpSpPr>
+      <p:grpSpPr>
+        <a:xfrm>
+          <a:off x="0" y="0"/>
+          <a:ext cx="0" cy="0"/>
+          <a:chOff x="0" y="0"/>
+          <a:chExt cx="0" cy="0"/>
+        </a:xfrm>
+      </p:grpSpPr>
+      <p:sp>
+        <p:nvSpPr>
+          <p:cNvPr id="2" name="TextBox 1">
+            <a:extLst>
+              <a:ext uri="{FF2B5EF4-FFF2-40B4-BE49-F238E27FC236}">
+                <a16:creationId xmlns:a16="http://schemas.microsoft.com/office/drawing/2014/main" id="{79D67BDA-5D6C-823E-4021-C9C1B0959181}"/>
+              </a:ext>
+            </a:extLst>
+          </p:cNvPr>
+          <p:cNvSpPr txBox="1"/>
+          <p:nvPr/>
+        </p:nvSpPr>
+        <p:spPr>
+          <a:xfrm>
+            <a:off x="2379821" y="0"/>
+            <a:ext cx="7432358" cy="646331"/>
+          </a:xfrm>
+          <a:prstGeom prst="rect">
+            <a:avLst/>
+          </a:prstGeom>
+          <a:noFill/>
+        </p:spPr>
+        <p:txBody>
+          <a:bodyPr wrap="square" rtlCol="0">
+            <a:spAutoFit/>
+          </a:bodyPr>
+          <a:lstStyle/>
+          <a:p>
+            <a:pPr algn="ctr"/>
+            <a:r>
+              <a:rPr lang="en-IN" sz="3600" u="sng" dirty="0">
+                <a:latin typeface="Calibri" panose="020F0502020204030204" pitchFamily="34" charset="0"/>
+                <a:ea typeface="Calibri" panose="020F0502020204030204" pitchFamily="34" charset="0"/>
+                <a:cs typeface="Calibri" panose="020F0502020204030204" pitchFamily="34" charset="0"/>
+              </a:rPr>
+              <a:t>Cross Compiler</a:t>
+            </a:r>
+          </a:p>
+        </p:txBody>
+      </p:sp>
+      <p:sp>
+        <p:nvSpPr>
+          <p:cNvPr id="3" name="TextBox 2">
+            <a:extLst>
+              <a:ext uri="{FF2B5EF4-FFF2-40B4-BE49-F238E27FC236}">
+                <a16:creationId xmlns:a16="http://schemas.microsoft.com/office/drawing/2014/main" id="{AA41193B-DA03-E2BA-CC08-92FCDB0375C3}"/>
+              </a:ext>
+            </a:extLst>
+          </p:cNvPr>
+          <p:cNvSpPr txBox="1"/>
+          <p:nvPr/>
+        </p:nvSpPr>
+        <p:spPr>
+          <a:xfrm>
+            <a:off x="1040130" y="1443841"/>
+            <a:ext cx="10111740" cy="3970318"/>
+          </a:xfrm>
+          <a:prstGeom prst="rect">
+            <a:avLst/>
+          </a:prstGeom>
+          <a:noFill/>
+        </p:spPr>
+        <p:txBody>
+          <a:bodyPr wrap="square" rtlCol="0">
+            <a:spAutoFit/>
+          </a:bodyPr>
+          <a:lstStyle/>
+          <a:p>
+            <a:r>
+              <a:rPr lang="en-US" dirty="0">
+                <a:latin typeface="Calibri" panose="020F0502020204030204" pitchFamily="34" charset="0"/>
+                <a:ea typeface="Calibri" panose="020F0502020204030204" pitchFamily="34" charset="0"/>
+                <a:cs typeface="Calibri" panose="020F0502020204030204" pitchFamily="34" charset="0"/>
+              </a:rPr>
+              <a:t>Initially, compilers were written in assembly language or a low-level language specific to the hardware. As programming languages evolved, the need for writing compilers in a higher-level language became evident.</a:t>
+            </a:r>
+          </a:p>
+          <a:p>
+            <a:endParaRPr lang="en-US" dirty="0">
+              <a:latin typeface="Calibri" panose="020F0502020204030204" pitchFamily="34" charset="0"/>
+              <a:ea typeface="Calibri" panose="020F0502020204030204" pitchFamily="34" charset="0"/>
+              <a:cs typeface="Calibri" panose="020F0502020204030204" pitchFamily="34" charset="0"/>
+            </a:endParaRPr>
+          </a:p>
+          <a:p>
+            <a:r>
+              <a:rPr lang="en-US" dirty="0">
+                <a:latin typeface="Calibri" panose="020F0502020204030204" pitchFamily="34" charset="0"/>
+                <a:ea typeface="Calibri" panose="020F0502020204030204" pitchFamily="34" charset="0"/>
+                <a:cs typeface="Calibri" panose="020F0502020204030204" pitchFamily="34" charset="0"/>
+              </a:rPr>
+              <a:t>Thus, bootstrapping emerged which refers to writing a compiler in the same language it intends to compile.</a:t>
+            </a:r>
+          </a:p>
+          <a:p>
+            <a:r>
+              <a:rPr lang="en-US" dirty="0">
+                <a:latin typeface="Calibri" panose="020F0502020204030204" pitchFamily="34" charset="0"/>
+                <a:ea typeface="Calibri" panose="020F0502020204030204" pitchFamily="34" charset="0"/>
+                <a:cs typeface="Calibri" panose="020F0502020204030204" pitchFamily="34" charset="0"/>
+              </a:rPr>
+              <a:t>A simple compiler is first written in a low-level language. This is often termed as the bootstrap compiler. The compiler is then rewritten in its own higher-level language and compiled using the bootstrap compiler. This process can be iterated, with each new version of the compiler used to compile its next version.</a:t>
+            </a:r>
+          </a:p>
+          <a:p>
+            <a:endParaRPr lang="en-US" dirty="0">
+              <a:latin typeface="Calibri" panose="020F0502020204030204" pitchFamily="34" charset="0"/>
+              <a:ea typeface="Calibri" panose="020F0502020204030204" pitchFamily="34" charset="0"/>
+              <a:cs typeface="Calibri" panose="020F0502020204030204" pitchFamily="34" charset="0"/>
+            </a:endParaRPr>
+          </a:p>
+          <a:p>
+            <a:r>
+              <a:rPr lang="en-US" dirty="0">
+                <a:latin typeface="Calibri" panose="020F0502020204030204" pitchFamily="34" charset="0"/>
+                <a:ea typeface="Calibri" panose="020F0502020204030204" pitchFamily="34" charset="0"/>
+                <a:cs typeface="Calibri" panose="020F0502020204030204" pitchFamily="34" charset="0"/>
+              </a:rPr>
+              <a:t>Advantages:</a:t>
+            </a:r>
+          </a:p>
+          <a:p>
+            <a:pPr marL="285750" indent="-285750">
+              <a:buFont typeface="Arial" panose="020B0604020202020204" pitchFamily="34" charset="0"/>
+              <a:buChar char="•"/>
+            </a:pPr>
+            <a:r>
+              <a:rPr lang="en-US" dirty="0">
+                <a:latin typeface="Calibri" panose="020F0502020204030204" pitchFamily="34" charset="0"/>
+                <a:ea typeface="Calibri" panose="020F0502020204030204" pitchFamily="34" charset="0"/>
+                <a:cs typeface="Calibri" panose="020F0502020204030204" pitchFamily="34" charset="0"/>
+              </a:rPr>
+              <a:t>Ensures that the compiler is compatible with the language it is designed to compile, thus it is better able to understand and interpret the syntax and semantics of the language.</a:t>
+            </a:r>
+          </a:p>
+          <a:p>
+            <a:pPr marL="285750" indent="-285750">
+              <a:buFont typeface="Arial" panose="020B0604020202020204" pitchFamily="34" charset="0"/>
+              <a:buChar char="•"/>
+            </a:pPr>
+            <a:r>
+              <a:rPr lang="en-US" dirty="0">
+                <a:latin typeface="Calibri" panose="020F0502020204030204" pitchFamily="34" charset="0"/>
+                <a:ea typeface="Calibri" panose="020F0502020204030204" pitchFamily="34" charset="0"/>
+                <a:cs typeface="Calibri" panose="020F0502020204030204" pitchFamily="34" charset="0"/>
+              </a:rPr>
+              <a:t>Greater control over the optimization and code generation process.</a:t>
+            </a:r>
+          </a:p>
+        </p:txBody>
+      </p:sp>
+    </p:spTree>
+    <p:extLst>
+      <p:ext uri="{BB962C8B-B14F-4D97-AF65-F5344CB8AC3E}">
+        <p14:creationId xmlns:p14="http://schemas.microsoft.com/office/powerpoint/2010/main" val="148144642"/>
+      </p:ext>
+    </p:extLst>
+  </p:cSld>
+  <p:clrMapOvr>
+    <a:masterClrMapping/>
+  </p:clrMapOvr>
+</p:sld>
+</file>
+
+<file path=ppt/slides/slide6.xml><?xml version="1.0" encoding="utf-8"?>
+<p:sld xmlns:a="http://schemas.openxmlformats.org/drawingml/2006/main" xmlns:r="http://schemas.openxmlformats.org/officeDocument/2006/relationships" xmlns:p="http://schemas.openxmlformats.org/presentationml/2006/main">
+  <p:cSld>
+    <p:spTree>
+      <p:nvGrpSpPr>
+        <p:cNvPr id="1" name="">
+          <a:extLst>
+            <a:ext uri="{FF2B5EF4-FFF2-40B4-BE49-F238E27FC236}">
               <a16:creationId xmlns:a16="http://schemas.microsoft.com/office/drawing/2014/main" id="{2D9BBC25-FD83-4926-7CC0-C4432500D1F6}"/>
             </a:ext>
           </a:extLst>
@@ -4973,10 +5546,10 @@
       </p:sp>
       <p:sp>
         <p:nvSpPr>
-          <p:cNvPr id="11" name="Rectangle 10">
+          <p:cNvPr id="14" name="Rectangle 13">
             <a:extLst>
               <a:ext uri="{FF2B5EF4-FFF2-40B4-BE49-F238E27FC236}">
-                <a16:creationId xmlns:a16="http://schemas.microsoft.com/office/drawing/2014/main" id="{38860F86-D08C-37B8-3B65-9BA18767C593}"/>
+                <a16:creationId xmlns:a16="http://schemas.microsoft.com/office/drawing/2014/main" id="{C8BF6D01-DF03-B24C-ABCE-A158F42FACC9}"/>
               </a:ext>
             </a:extLst>
           </p:cNvPr>
@@ -4985,8 +5558,8 @@
         </p:nvSpPr>
         <p:spPr>
           <a:xfrm>
-            <a:off x="329946" y="5114389"/>
-            <a:ext cx="1930145" cy="868680"/>
+            <a:off x="6900677" y="2401901"/>
+            <a:ext cx="1892808" cy="868680"/>
           </a:xfrm>
           <a:prstGeom prst="rect">
             <a:avLst/>
@@ -5028,17 +5601,17 @@
                 <a:ea typeface="Calibri" panose="020F0502020204030204" pitchFamily="34" charset="0"/>
                 <a:cs typeface="Calibri" panose="020F0502020204030204" pitchFamily="34" charset="0"/>
               </a:rPr>
-              <a:t>Code Optimisation on Assembly code</a:t>
-            </a:r>
-          </a:p>
-        </p:txBody>
-      </p:sp>
-      <p:sp>
-        <p:nvSpPr>
-          <p:cNvPr id="14" name="Rectangle 13">
+              <a:t>Semantic Analysis</a:t>
+            </a:r>
+          </a:p>
+        </p:txBody>
+      </p:sp>
+      <p:sp>
+        <p:nvSpPr>
+          <p:cNvPr id="17" name="Rectangle 16">
             <a:extLst>
               <a:ext uri="{FF2B5EF4-FFF2-40B4-BE49-F238E27FC236}">
-                <a16:creationId xmlns:a16="http://schemas.microsoft.com/office/drawing/2014/main" id="{C8BF6D01-DF03-B24C-ABCE-A158F42FACC9}"/>
+                <a16:creationId xmlns:a16="http://schemas.microsoft.com/office/drawing/2014/main" id="{6C8805F2-3C92-8A63-2E16-0923836FB293}"/>
               </a:ext>
             </a:extLst>
           </p:cNvPr>
@@ -5047,7 +5620,7 @@
         </p:nvSpPr>
         <p:spPr>
           <a:xfrm>
-            <a:off x="6900677" y="2401901"/>
+            <a:off x="3622548" y="2401902"/>
             <a:ext cx="1892808" cy="868680"/>
           </a:xfrm>
           <a:prstGeom prst="rect">
@@ -5090,17 +5663,17 @@
                 <a:ea typeface="Calibri" panose="020F0502020204030204" pitchFamily="34" charset="0"/>
                 <a:cs typeface="Calibri" panose="020F0502020204030204" pitchFamily="34" charset="0"/>
               </a:rPr>
-              <a:t>Semantic Analysis</a:t>
-            </a:r>
-          </a:p>
-        </p:txBody>
-      </p:sp>
-      <p:sp>
-        <p:nvSpPr>
-          <p:cNvPr id="17" name="Rectangle 16">
+              <a:t>Syntax Analysis</a:t>
+            </a:r>
+          </a:p>
+        </p:txBody>
+      </p:sp>
+      <p:sp>
+        <p:nvSpPr>
+          <p:cNvPr id="20" name="Rectangle 19">
             <a:extLst>
               <a:ext uri="{FF2B5EF4-FFF2-40B4-BE49-F238E27FC236}">
-                <a16:creationId xmlns:a16="http://schemas.microsoft.com/office/drawing/2014/main" id="{6C8805F2-3C92-8A63-2E16-0923836FB293}"/>
+                <a16:creationId xmlns:a16="http://schemas.microsoft.com/office/drawing/2014/main" id="{F8951BA8-F01A-7300-5886-D2E56617DA46}"/>
               </a:ext>
             </a:extLst>
           </p:cNvPr>
@@ -5109,7 +5682,7 @@
         </p:nvSpPr>
         <p:spPr>
           <a:xfrm>
-            <a:off x="3622548" y="2401902"/>
+            <a:off x="2118360" y="3693979"/>
             <a:ext cx="1892808" cy="868680"/>
           </a:xfrm>
           <a:prstGeom prst="rect">
@@ -5152,69 +5725,7 @@
                 <a:ea typeface="Calibri" panose="020F0502020204030204" pitchFamily="34" charset="0"/>
                 <a:cs typeface="Calibri" panose="020F0502020204030204" pitchFamily="34" charset="0"/>
               </a:rPr>
-              <a:t>Syntax Analysis</a:t>
-            </a:r>
-          </a:p>
-        </p:txBody>
-      </p:sp>
-      <p:sp>
-        <p:nvSpPr>
-          <p:cNvPr id="20" name="Rectangle 19">
-            <a:extLst>
-              <a:ext uri="{FF2B5EF4-FFF2-40B4-BE49-F238E27FC236}">
-                <a16:creationId xmlns:a16="http://schemas.microsoft.com/office/drawing/2014/main" id="{F8951BA8-F01A-7300-5886-D2E56617DA46}"/>
-              </a:ext>
-            </a:extLst>
-          </p:cNvPr>
-          <p:cNvSpPr/>
-          <p:nvPr/>
-        </p:nvSpPr>
-        <p:spPr>
-          <a:xfrm>
-            <a:off x="2118360" y="3693979"/>
-            <a:ext cx="1892808" cy="868680"/>
-          </a:xfrm>
-          <a:prstGeom prst="rect">
-            <a:avLst/>
-          </a:prstGeom>
-          <a:solidFill>
-            <a:schemeClr val="accent5">
-              <a:lumMod val="40000"/>
-              <a:lumOff val="60000"/>
-            </a:schemeClr>
-          </a:solidFill>
-        </p:spPr>
-        <p:style>
-          <a:lnRef idx="2">
-            <a:schemeClr val="accent1">
-              <a:shade val="15000"/>
-            </a:schemeClr>
-          </a:lnRef>
-          <a:fillRef idx="1">
-            <a:schemeClr val="accent1"/>
-          </a:fillRef>
-          <a:effectRef idx="0">
-            <a:schemeClr val="accent1"/>
-          </a:effectRef>
-          <a:fontRef idx="minor">
-            <a:schemeClr val="lt1"/>
-          </a:fontRef>
-        </p:style>
-        <p:txBody>
-          <a:bodyPr rtlCol="0" anchor="ctr"/>
-          <a:lstStyle/>
-          <a:p>
-            <a:pPr algn="ctr"/>
-            <a:r>
-              <a:rPr lang="en-IN" dirty="0">
-                <a:solidFill>
-                  <a:schemeClr val="tx1"/>
-                </a:solidFill>
-                <a:latin typeface="Calibri" panose="020F0502020204030204" pitchFamily="34" charset="0"/>
-                <a:ea typeface="Calibri" panose="020F0502020204030204" pitchFamily="34" charset="0"/>
-                <a:cs typeface="Calibri" panose="020F0502020204030204" pitchFamily="34" charset="0"/>
-              </a:rPr>
-              <a:t>Code Generation</a:t>
+              <a:t>Target Code Generation</a:t>
             </a:r>
           </a:p>
         </p:txBody>
@@ -5771,88 +6282,6 @@
           </a:p>
         </p:txBody>
       </p:sp>
-      <p:cxnSp>
-        <p:nvCxnSpPr>
-          <p:cNvPr id="58" name="Connector: Elbow 57">
-            <a:extLst>
-              <a:ext uri="{FF2B5EF4-FFF2-40B4-BE49-F238E27FC236}">
-                <a16:creationId xmlns:a16="http://schemas.microsoft.com/office/drawing/2014/main" id="{79497BAA-CB00-54D9-572C-A8A257AE7CD5}"/>
-              </a:ext>
-            </a:extLst>
-          </p:cNvPr>
-          <p:cNvCxnSpPr>
-            <a:stCxn id="20" idx="1"/>
-            <a:endCxn id="11" idx="0"/>
-          </p:cNvCxnSpPr>
-          <p:nvPr/>
-        </p:nvCxnSpPr>
-        <p:spPr>
-          <a:xfrm rot="10800000" flipV="1">
-            <a:off x="1295020" y="4128319"/>
-            <a:ext cx="823341" cy="986070"/>
-          </a:xfrm>
-          <a:prstGeom prst="bentConnector2">
-            <a:avLst/>
-          </a:prstGeom>
-          <a:ln>
-            <a:tailEnd type="triangle"/>
-          </a:ln>
-        </p:spPr>
-        <p:style>
-          <a:lnRef idx="1">
-            <a:schemeClr val="accent1"/>
-          </a:lnRef>
-          <a:fillRef idx="0">
-            <a:schemeClr val="accent1"/>
-          </a:fillRef>
-          <a:effectRef idx="0">
-            <a:schemeClr val="accent1"/>
-          </a:effectRef>
-          <a:fontRef idx="minor">
-            <a:schemeClr val="tx1"/>
-          </a:fontRef>
-        </p:style>
-      </p:cxnSp>
-      <p:sp>
-        <p:nvSpPr>
-          <p:cNvPr id="59" name="TextBox 58">
-            <a:extLst>
-              <a:ext uri="{FF2B5EF4-FFF2-40B4-BE49-F238E27FC236}">
-                <a16:creationId xmlns:a16="http://schemas.microsoft.com/office/drawing/2014/main" id="{3428F569-CC57-32EC-4378-8D4AB93DEEBA}"/>
-              </a:ext>
-            </a:extLst>
-          </p:cNvPr>
-          <p:cNvSpPr txBox="1"/>
-          <p:nvPr/>
-        </p:nvSpPr>
-        <p:spPr>
-          <a:xfrm>
-            <a:off x="192024" y="3895069"/>
-            <a:ext cx="1216152" cy="646331"/>
-          </a:xfrm>
-          <a:prstGeom prst="rect">
-            <a:avLst/>
-          </a:prstGeom>
-          <a:noFill/>
-        </p:spPr>
-        <p:txBody>
-          <a:bodyPr wrap="square" rtlCol="0">
-            <a:spAutoFit/>
-          </a:bodyPr>
-          <a:lstStyle/>
-          <a:p>
-            <a:pPr algn="ctr"/>
-            <a:r>
-              <a:rPr lang="en-IN" dirty="0">
-                <a:latin typeface="Calibri" panose="020F0502020204030204" pitchFamily="34" charset="0"/>
-                <a:ea typeface="Calibri" panose="020F0502020204030204" pitchFamily="34" charset="0"/>
-                <a:cs typeface="Calibri" panose="020F0502020204030204" pitchFamily="34" charset="0"/>
-              </a:rPr>
-              <a:t>Assembly code</a:t>
-            </a:r>
-          </a:p>
-        </p:txBody>
-      </p:sp>
       <p:sp>
         <p:nvSpPr>
           <p:cNvPr id="60" name="TextBox 59">
@@ -5867,7 +6296,7 @@
         </p:nvSpPr>
         <p:spPr>
           <a:xfrm>
-            <a:off x="3014472" y="5225563"/>
+            <a:off x="210313" y="3809744"/>
             <a:ext cx="1216152" cy="646331"/>
           </a:xfrm>
           <a:prstGeom prst="rect">
@@ -5903,14 +6332,13 @@
             </a:extLst>
           </p:cNvPr>
           <p:cNvCxnSpPr>
-            <a:stCxn id="11" idx="3"/>
-            <a:endCxn id="60" idx="1"/>
+            <a:cxnSpLocks/>
           </p:cNvCxnSpPr>
           <p:nvPr/>
         </p:nvCxnSpPr>
         <p:spPr>
-          <a:xfrm>
-            <a:off x="2260091" y="5548729"/>
+          <a:xfrm flipH="1">
+            <a:off x="1363979" y="4128318"/>
             <a:ext cx="754381" cy="0"/>
           </a:xfrm>
           <a:prstGeom prst="straightConnector1">
@@ -5986,7 +6414,7 @@
         </p:nvCxnSpPr>
         <p:spPr>
           <a:xfrm>
-            <a:off x="192024" y="6071616"/>
+            <a:off x="210313" y="5230368"/>
             <a:ext cx="11329416" cy="0"/>
           </a:xfrm>
           <a:prstGeom prst="line">
@@ -6009,80 +6437,6 @@
           </a:fontRef>
         </p:style>
       </p:cxnSp>
-      <p:cxnSp>
-        <p:nvCxnSpPr>
-          <p:cNvPr id="71" name="Straight Connector 70">
-            <a:extLst>
-              <a:ext uri="{FF2B5EF4-FFF2-40B4-BE49-F238E27FC236}">
-                <a16:creationId xmlns:a16="http://schemas.microsoft.com/office/drawing/2014/main" id="{C3941E3A-52D3-72AF-1D87-D9FC41D0BF7E}"/>
-              </a:ext>
-            </a:extLst>
-          </p:cNvPr>
-          <p:cNvCxnSpPr/>
-          <p:nvPr/>
-        </p:nvCxnSpPr>
-        <p:spPr>
-          <a:xfrm>
-            <a:off x="192024" y="2078736"/>
-            <a:ext cx="0" cy="3983736"/>
-          </a:xfrm>
-          <a:prstGeom prst="line">
-            <a:avLst/>
-          </a:prstGeom>
-          <a:ln w="28575"/>
-        </p:spPr>
-        <p:style>
-          <a:lnRef idx="1">
-            <a:schemeClr val="dk1"/>
-          </a:lnRef>
-          <a:fillRef idx="0">
-            <a:schemeClr val="dk1"/>
-          </a:fillRef>
-          <a:effectRef idx="0">
-            <a:schemeClr val="dk1"/>
-          </a:effectRef>
-          <a:fontRef idx="minor">
-            <a:schemeClr val="tx1"/>
-          </a:fontRef>
-        </p:style>
-      </p:cxnSp>
-      <p:cxnSp>
-        <p:nvCxnSpPr>
-          <p:cNvPr id="72" name="Straight Connector 71">
-            <a:extLst>
-              <a:ext uri="{FF2B5EF4-FFF2-40B4-BE49-F238E27FC236}">
-                <a16:creationId xmlns:a16="http://schemas.microsoft.com/office/drawing/2014/main" id="{38A19E63-07A0-3337-D1A9-B830A3C1DD7F}"/>
-              </a:ext>
-            </a:extLst>
-          </p:cNvPr>
-          <p:cNvCxnSpPr/>
-          <p:nvPr/>
-        </p:nvCxnSpPr>
-        <p:spPr>
-          <a:xfrm>
-            <a:off x="11521440" y="2078736"/>
-            <a:ext cx="0" cy="3983736"/>
-          </a:xfrm>
-          <a:prstGeom prst="line">
-            <a:avLst/>
-          </a:prstGeom>
-          <a:ln w="28575"/>
-        </p:spPr>
-        <p:style>
-          <a:lnRef idx="1">
-            <a:schemeClr val="dk1"/>
-          </a:lnRef>
-          <a:fillRef idx="0">
-            <a:schemeClr val="dk1"/>
-          </a:fillRef>
-          <a:effectRef idx="0">
-            <a:schemeClr val="dk1"/>
-          </a:effectRef>
-          <a:fontRef idx="minor">
-            <a:schemeClr val="tx1"/>
-          </a:fontRef>
-        </p:style>
-      </p:cxnSp>
       <p:sp>
         <p:nvSpPr>
           <p:cNvPr id="74" name="Rectangle 73">
@@ -6097,7 +6451,7 @@
         </p:nvSpPr>
         <p:spPr>
           <a:xfrm>
-            <a:off x="4405888" y="6268193"/>
+            <a:off x="4319020" y="5944983"/>
             <a:ext cx="3019040" cy="382819"/>
           </a:xfrm>
           <a:prstGeom prst="rect">
@@ -6242,7 +6596,7 @@
         </p:nvCxnSpPr>
         <p:spPr>
           <a:xfrm>
-            <a:off x="5915408" y="5548728"/>
+            <a:off x="5828540" y="5230368"/>
             <a:ext cx="0" cy="717106"/>
           </a:xfrm>
           <a:prstGeom prst="straightConnector1">
@@ -6253,6 +6607,88 @@
               <a:schemeClr val="tx1"/>
             </a:solidFill>
             <a:tailEnd type="triangle"/>
+          </a:ln>
+        </p:spPr>
+        <p:style>
+          <a:lnRef idx="1">
+            <a:schemeClr val="accent1"/>
+          </a:lnRef>
+          <a:fillRef idx="0">
+            <a:schemeClr val="accent1"/>
+          </a:fillRef>
+          <a:effectRef idx="0">
+            <a:schemeClr val="accent1"/>
+          </a:effectRef>
+          <a:fontRef idx="minor">
+            <a:schemeClr val="tx1"/>
+          </a:fontRef>
+        </p:style>
+      </p:cxnSp>
+      <p:cxnSp>
+        <p:nvCxnSpPr>
+          <p:cNvPr id="85" name="Straight Connector 84">
+            <a:extLst>
+              <a:ext uri="{FF2B5EF4-FFF2-40B4-BE49-F238E27FC236}">
+                <a16:creationId xmlns:a16="http://schemas.microsoft.com/office/drawing/2014/main" id="{40A6CE21-5156-4299-1664-5A1440FF886A}"/>
+              </a:ext>
+            </a:extLst>
+          </p:cNvPr>
+          <p:cNvCxnSpPr/>
+          <p:nvPr/>
+        </p:nvCxnSpPr>
+        <p:spPr>
+          <a:xfrm>
+            <a:off x="192024" y="2078736"/>
+            <a:ext cx="18289" cy="3151632"/>
+          </a:xfrm>
+          <a:prstGeom prst="line">
+            <a:avLst/>
+          </a:prstGeom>
+          <a:ln w="28575">
+            <a:solidFill>
+              <a:schemeClr val="tx1"/>
+            </a:solidFill>
+          </a:ln>
+        </p:spPr>
+        <p:style>
+          <a:lnRef idx="1">
+            <a:schemeClr val="accent1"/>
+          </a:lnRef>
+          <a:fillRef idx="0">
+            <a:schemeClr val="accent1"/>
+          </a:fillRef>
+          <a:effectRef idx="0">
+            <a:schemeClr val="accent1"/>
+          </a:effectRef>
+          <a:fontRef idx="minor">
+            <a:schemeClr val="tx1"/>
+          </a:fontRef>
+        </p:style>
+      </p:cxnSp>
+      <p:cxnSp>
+        <p:nvCxnSpPr>
+          <p:cNvPr id="86" name="Straight Connector 85">
+            <a:extLst>
+              <a:ext uri="{FF2B5EF4-FFF2-40B4-BE49-F238E27FC236}">
+                <a16:creationId xmlns:a16="http://schemas.microsoft.com/office/drawing/2014/main" id="{C6F6F9AB-6A92-9E71-2396-45C4517C9899}"/>
+              </a:ext>
+            </a:extLst>
+          </p:cNvPr>
+          <p:cNvCxnSpPr/>
+          <p:nvPr/>
+        </p:nvCxnSpPr>
+        <p:spPr>
+          <a:xfrm>
+            <a:off x="11530584" y="2078736"/>
+            <a:ext cx="18289" cy="3151632"/>
+          </a:xfrm>
+          <a:prstGeom prst="line">
+            <a:avLst/>
+          </a:prstGeom>
+          <a:ln w="28575">
+            <a:solidFill>
+              <a:schemeClr val="tx1"/>
+            </a:solidFill>
           </a:ln>
         </p:spPr>
         <p:style>
@@ -6283,7 +6719,561 @@
 </p:sld>
 </file>
 
-<file path=ppt/slides/slide5.xml><?xml version="1.0" encoding="utf-8"?>
+<file path=ppt/slides/slide7.xml><?xml version="1.0" encoding="utf-8"?>
+<p:sld xmlns:a="http://schemas.openxmlformats.org/drawingml/2006/main" xmlns:r="http://schemas.openxmlformats.org/officeDocument/2006/relationships" xmlns:p="http://schemas.openxmlformats.org/presentationml/2006/main" showMasterSp="0">
+  <p:cSld>
+    <p:spTree>
+      <p:nvGrpSpPr>
+        <p:cNvPr id="1" name="">
+          <a:extLst>
+            <a:ext uri="{FF2B5EF4-FFF2-40B4-BE49-F238E27FC236}">
+              <a16:creationId xmlns:a16="http://schemas.microsoft.com/office/drawing/2014/main" id="{2DB79FD8-9269-26AE-38EC-CB510036A09B}"/>
+            </a:ext>
+          </a:extLst>
+        </p:cNvPr>
+        <p:cNvGrpSpPr/>
+        <p:nvPr/>
+      </p:nvGrpSpPr>
+      <p:grpSpPr>
+        <a:xfrm>
+          <a:off x="0" y="0"/>
+          <a:ext cx="0" cy="0"/>
+          <a:chOff x="0" y="0"/>
+          <a:chExt cx="0" cy="0"/>
+        </a:xfrm>
+      </p:grpSpPr>
+      <p:sp>
+        <p:nvSpPr>
+          <p:cNvPr id="2" name="TextBox 1">
+            <a:extLst>
+              <a:ext uri="{FF2B5EF4-FFF2-40B4-BE49-F238E27FC236}">
+                <a16:creationId xmlns:a16="http://schemas.microsoft.com/office/drawing/2014/main" id="{75950C61-1D08-9B38-8C84-3FC0CAD6AA80}"/>
+              </a:ext>
+            </a:extLst>
+          </p:cNvPr>
+          <p:cNvSpPr txBox="1"/>
+          <p:nvPr/>
+        </p:nvSpPr>
+        <p:spPr>
+          <a:xfrm>
+            <a:off x="2379821" y="0"/>
+            <a:ext cx="7432358" cy="646331"/>
+          </a:xfrm>
+          <a:prstGeom prst="rect">
+            <a:avLst/>
+          </a:prstGeom>
+          <a:noFill/>
+        </p:spPr>
+        <p:txBody>
+          <a:bodyPr wrap="square" rtlCol="0">
+            <a:spAutoFit/>
+          </a:bodyPr>
+          <a:lstStyle/>
+          <a:p>
+            <a:pPr algn="ctr"/>
+            <a:r>
+              <a:rPr lang="en-IN" sz="3600" u="sng" dirty="0">
+                <a:latin typeface="Calibri" panose="020F0502020204030204" pitchFamily="34" charset="0"/>
+                <a:ea typeface="Calibri" panose="020F0502020204030204" pitchFamily="34" charset="0"/>
+                <a:cs typeface="Calibri" panose="020F0502020204030204" pitchFamily="34" charset="0"/>
+              </a:rPr>
+              <a:t>Passes</a:t>
+            </a:r>
+          </a:p>
+        </p:txBody>
+      </p:sp>
+      <p:sp>
+        <p:nvSpPr>
+          <p:cNvPr id="3" name="TextBox 2">
+            <a:extLst>
+              <a:ext uri="{FF2B5EF4-FFF2-40B4-BE49-F238E27FC236}">
+                <a16:creationId xmlns:a16="http://schemas.microsoft.com/office/drawing/2014/main" id="{52C5A930-3E78-8FAC-CF87-DB9ACC190806}"/>
+              </a:ext>
+            </a:extLst>
+          </p:cNvPr>
+          <p:cNvSpPr txBox="1"/>
+          <p:nvPr/>
+        </p:nvSpPr>
+        <p:spPr>
+          <a:xfrm>
+            <a:off x="348996" y="646331"/>
+            <a:ext cx="11494008" cy="6186309"/>
+          </a:xfrm>
+          <a:prstGeom prst="rect">
+            <a:avLst/>
+          </a:prstGeom>
+          <a:noFill/>
+        </p:spPr>
+        <p:txBody>
+          <a:bodyPr wrap="square" rtlCol="0">
+            <a:spAutoFit/>
+          </a:bodyPr>
+          <a:lstStyle/>
+          <a:p>
+            <a:r>
+              <a:rPr lang="en-US" dirty="0">
+                <a:latin typeface="Calibri" panose="020F0502020204030204" pitchFamily="34" charset="0"/>
+                <a:ea typeface="Calibri" panose="020F0502020204030204" pitchFamily="34" charset="0"/>
+                <a:cs typeface="Calibri" panose="020F0502020204030204" pitchFamily="34" charset="0"/>
+              </a:rPr>
+              <a:t>Pass refers to the traversal of a compiler through the entire program.</a:t>
+            </a:r>
+          </a:p>
+          <a:p>
+            <a:endParaRPr lang="en-US" dirty="0">
+              <a:latin typeface="Calibri" panose="020F0502020204030204" pitchFamily="34" charset="0"/>
+              <a:ea typeface="Calibri" panose="020F0502020204030204" pitchFamily="34" charset="0"/>
+              <a:cs typeface="Calibri" panose="020F0502020204030204" pitchFamily="34" charset="0"/>
+            </a:endParaRPr>
+          </a:p>
+          <a:p>
+            <a:r>
+              <a:rPr lang="en-US" dirty="0">
+                <a:latin typeface="Calibri" panose="020F0502020204030204" pitchFamily="34" charset="0"/>
+                <a:ea typeface="Calibri" panose="020F0502020204030204" pitchFamily="34" charset="0"/>
+                <a:cs typeface="Calibri" panose="020F0502020204030204" pitchFamily="34" charset="0"/>
+              </a:rPr>
+              <a:t>There are two types of compilers:</a:t>
+            </a:r>
+          </a:p>
+          <a:p>
+            <a:pPr marL="285750" indent="-285750">
+              <a:buFont typeface="Arial" panose="020B0604020202020204" pitchFamily="34" charset="0"/>
+              <a:buChar char="•"/>
+            </a:pPr>
+            <a:r>
+              <a:rPr lang="en-US" dirty="0">
+                <a:latin typeface="Calibri" panose="020F0502020204030204" pitchFamily="34" charset="0"/>
+                <a:ea typeface="Calibri" panose="020F0502020204030204" pitchFamily="34" charset="0"/>
+                <a:cs typeface="Calibri" panose="020F0502020204030204" pitchFamily="34" charset="0"/>
+              </a:rPr>
+              <a:t>Single-Pass Compiler</a:t>
+            </a:r>
+          </a:p>
+          <a:p>
+            <a:pPr marL="285750" indent="-285750">
+              <a:buFont typeface="Arial" panose="020B0604020202020204" pitchFamily="34" charset="0"/>
+              <a:buChar char="•"/>
+            </a:pPr>
+            <a:r>
+              <a:rPr lang="en-US" dirty="0">
+                <a:latin typeface="Calibri" panose="020F0502020204030204" pitchFamily="34" charset="0"/>
+                <a:ea typeface="Calibri" panose="020F0502020204030204" pitchFamily="34" charset="0"/>
+                <a:cs typeface="Calibri" panose="020F0502020204030204" pitchFamily="34" charset="0"/>
+              </a:rPr>
+              <a:t>Multi-Pass Compiler</a:t>
+            </a:r>
+          </a:p>
+          <a:p>
+            <a:pPr marL="285750" indent="-285750">
+              <a:buFont typeface="Arial" panose="020B0604020202020204" pitchFamily="34" charset="0"/>
+              <a:buChar char="•"/>
+            </a:pPr>
+            <a:endParaRPr lang="en-US" dirty="0">
+              <a:latin typeface="Calibri" panose="020F0502020204030204" pitchFamily="34" charset="0"/>
+              <a:ea typeface="Calibri" panose="020F0502020204030204" pitchFamily="34" charset="0"/>
+              <a:cs typeface="Calibri" panose="020F0502020204030204" pitchFamily="34" charset="0"/>
+            </a:endParaRPr>
+          </a:p>
+          <a:p>
+            <a:r>
+              <a:rPr lang="en-US" dirty="0">
+                <a:latin typeface="Calibri" panose="020F0502020204030204" pitchFamily="34" charset="0"/>
+                <a:ea typeface="Calibri" panose="020F0502020204030204" pitchFamily="34" charset="0"/>
+                <a:cs typeface="Calibri" panose="020F0502020204030204" pitchFamily="34" charset="0"/>
+              </a:rPr>
+              <a:t>Single-Pass Compiler:</a:t>
+            </a:r>
+          </a:p>
+          <a:p>
+            <a:pPr marL="285750" indent="-285750">
+              <a:buFont typeface="Wingdings" panose="05000000000000000000" pitchFamily="2" charset="2"/>
+              <a:buChar char="ü"/>
+            </a:pPr>
+            <a:r>
+              <a:rPr lang="en-US" dirty="0">
+                <a:latin typeface="Calibri" panose="020F0502020204030204" pitchFamily="34" charset="0"/>
+                <a:ea typeface="Calibri" panose="020F0502020204030204" pitchFamily="34" charset="0"/>
+                <a:cs typeface="Calibri" panose="020F0502020204030204" pitchFamily="34" charset="0"/>
+              </a:rPr>
+              <a:t>One-Time Processing – Reads and processes the source code in a single pass, translating it directly into assembly code.</a:t>
+            </a:r>
+          </a:p>
+          <a:p>
+            <a:pPr marL="285750" indent="-285750">
+              <a:buFont typeface="Wingdings" panose="05000000000000000000" pitchFamily="2" charset="2"/>
+              <a:buChar char="ü"/>
+            </a:pPr>
+            <a:r>
+              <a:rPr lang="en-US" dirty="0">
+                <a:latin typeface="Calibri" panose="020F0502020204030204" pitchFamily="34" charset="0"/>
+                <a:ea typeface="Calibri" panose="020F0502020204030204" pitchFamily="34" charset="0"/>
+                <a:cs typeface="Calibri" panose="020F0502020204030204" pitchFamily="34" charset="0"/>
+              </a:rPr>
+              <a:t>Speed Advantage due to single traversal of source code</a:t>
+            </a:r>
+          </a:p>
+          <a:p>
+            <a:pPr marL="285750" indent="-285750">
+              <a:buFont typeface="Wingdings" panose="05000000000000000000" pitchFamily="2" charset="2"/>
+              <a:buChar char="ü"/>
+            </a:pPr>
+            <a:r>
+              <a:rPr lang="en-US" dirty="0">
+                <a:latin typeface="Calibri" panose="020F0502020204030204" pitchFamily="34" charset="0"/>
+                <a:ea typeface="Calibri" panose="020F0502020204030204" pitchFamily="34" charset="0"/>
+                <a:cs typeface="Calibri" panose="020F0502020204030204" pitchFamily="34" charset="0"/>
+              </a:rPr>
+              <a:t>Memory efficient as it does not store extensive intermediate state information</a:t>
+            </a:r>
+          </a:p>
+          <a:p>
+            <a:pPr marL="285750" indent="-285750">
+              <a:buFont typeface="Wingdings" panose="05000000000000000000" pitchFamily="2" charset="2"/>
+              <a:buChar char="ü"/>
+            </a:pPr>
+            <a:r>
+              <a:rPr lang="en-US" dirty="0">
+                <a:latin typeface="Calibri" panose="020F0502020204030204" pitchFamily="34" charset="0"/>
+                <a:ea typeface="Calibri" panose="020F0502020204030204" pitchFamily="34" charset="0"/>
+                <a:cs typeface="Calibri" panose="020F0502020204030204" pitchFamily="34" charset="0"/>
+              </a:rPr>
+              <a:t>Optimization limitations</a:t>
+            </a:r>
+          </a:p>
+          <a:p>
+            <a:pPr marL="285750" indent="-285750">
+              <a:buFont typeface="Wingdings" panose="05000000000000000000" pitchFamily="2" charset="2"/>
+              <a:buChar char="ü"/>
+            </a:pPr>
+            <a:r>
+              <a:rPr lang="en-US" dirty="0">
+                <a:latin typeface="Calibri" panose="020F0502020204030204" pitchFamily="34" charset="0"/>
+                <a:ea typeface="Calibri" panose="020F0502020204030204" pitchFamily="34" charset="0"/>
+                <a:cs typeface="Calibri" panose="020F0502020204030204" pitchFamily="34" charset="0"/>
+              </a:rPr>
+              <a:t>Best for simple languages</a:t>
+            </a:r>
+          </a:p>
+          <a:p>
+            <a:pPr marL="285750" indent="-285750">
+              <a:buFont typeface="Wingdings" panose="05000000000000000000" pitchFamily="2" charset="2"/>
+              <a:buChar char="ü"/>
+            </a:pPr>
+            <a:r>
+              <a:rPr lang="en-US" dirty="0">
+                <a:latin typeface="Calibri" panose="020F0502020204030204" pitchFamily="34" charset="0"/>
+                <a:ea typeface="Calibri" panose="020F0502020204030204" pitchFamily="34" charset="0"/>
+                <a:cs typeface="Calibri" panose="020F0502020204030204" pitchFamily="34" charset="0"/>
+              </a:rPr>
+              <a:t>Example: Early FORTRAN compilers</a:t>
+            </a:r>
+          </a:p>
+          <a:p>
+            <a:pPr marL="285750" indent="-285750">
+              <a:buFont typeface="Wingdings" panose="05000000000000000000" pitchFamily="2" charset="2"/>
+              <a:buChar char="ü"/>
+            </a:pPr>
+            <a:endParaRPr lang="en-US" dirty="0">
+              <a:latin typeface="Calibri" panose="020F0502020204030204" pitchFamily="34" charset="0"/>
+              <a:ea typeface="Calibri" panose="020F0502020204030204" pitchFamily="34" charset="0"/>
+              <a:cs typeface="Calibri" panose="020F0502020204030204" pitchFamily="34" charset="0"/>
+            </a:endParaRPr>
+          </a:p>
+          <a:p>
+            <a:r>
+              <a:rPr lang="en-US" dirty="0">
+                <a:latin typeface="Calibri" panose="020F0502020204030204" pitchFamily="34" charset="0"/>
+                <a:ea typeface="Calibri" panose="020F0502020204030204" pitchFamily="34" charset="0"/>
+                <a:cs typeface="Calibri" panose="020F0502020204030204" pitchFamily="34" charset="0"/>
+              </a:rPr>
+              <a:t>Multi-Pass Compiler:</a:t>
+            </a:r>
+          </a:p>
+          <a:p>
+            <a:pPr marL="285750" indent="-285750">
+              <a:buFont typeface="Wingdings" panose="05000000000000000000" pitchFamily="2" charset="2"/>
+              <a:buChar char="ü"/>
+            </a:pPr>
+            <a:r>
+              <a:rPr lang="en-US" dirty="0">
+                <a:latin typeface="Calibri" panose="020F0502020204030204" pitchFamily="34" charset="0"/>
+                <a:ea typeface="Calibri" panose="020F0502020204030204" pitchFamily="34" charset="0"/>
+                <a:cs typeface="Calibri" panose="020F0502020204030204" pitchFamily="34" charset="0"/>
+              </a:rPr>
+              <a:t>Multiple scans of source code</a:t>
+            </a:r>
+          </a:p>
+          <a:p>
+            <a:pPr marL="285750" indent="-285750">
+              <a:buFont typeface="Wingdings" panose="05000000000000000000" pitchFamily="2" charset="2"/>
+              <a:buChar char="ü"/>
+            </a:pPr>
+            <a:r>
+              <a:rPr lang="en-US" dirty="0">
+                <a:latin typeface="Calibri" panose="020F0502020204030204" pitchFamily="34" charset="0"/>
+                <a:ea typeface="Calibri" panose="020F0502020204030204" pitchFamily="34" charset="0"/>
+                <a:cs typeface="Calibri" panose="020F0502020204030204" pitchFamily="34" charset="0"/>
+              </a:rPr>
+              <a:t>Advanced Optimizations</a:t>
+            </a:r>
+          </a:p>
+          <a:p>
+            <a:pPr marL="285750" indent="-285750">
+              <a:buFont typeface="Wingdings" panose="05000000000000000000" pitchFamily="2" charset="2"/>
+              <a:buChar char="ü"/>
+            </a:pPr>
+            <a:r>
+              <a:rPr lang="en-US" dirty="0">
+                <a:latin typeface="Calibri" panose="020F0502020204030204" pitchFamily="34" charset="0"/>
+                <a:ea typeface="Calibri" panose="020F0502020204030204" pitchFamily="34" charset="0"/>
+                <a:cs typeface="Calibri" panose="020F0502020204030204" pitchFamily="34" charset="0"/>
+              </a:rPr>
+              <a:t>Context Awareness: Deeper understanding of the program’s context which allows for more sophisticated error checking and optimization.</a:t>
+            </a:r>
+          </a:p>
+          <a:p>
+            <a:pPr marL="285750" indent="-285750">
+              <a:buFont typeface="Wingdings" panose="05000000000000000000" pitchFamily="2" charset="2"/>
+              <a:buChar char="ü"/>
+            </a:pPr>
+            <a:r>
+              <a:rPr lang="en-US" dirty="0">
+                <a:latin typeface="Calibri" panose="020F0502020204030204" pitchFamily="34" charset="0"/>
+                <a:ea typeface="Calibri" panose="020F0502020204030204" pitchFamily="34" charset="0"/>
+                <a:cs typeface="Calibri" panose="020F0502020204030204" pitchFamily="34" charset="0"/>
+              </a:rPr>
+              <a:t>Memory usage: More than single-pass compilers as they need to maintain intermediate representations of the source code between passes.</a:t>
+            </a:r>
+          </a:p>
+          <a:p>
+            <a:pPr marL="285750" indent="-285750">
+              <a:buFont typeface="Wingdings" panose="05000000000000000000" pitchFamily="2" charset="2"/>
+              <a:buChar char="ü"/>
+            </a:pPr>
+            <a:r>
+              <a:rPr lang="en-US" dirty="0">
+                <a:latin typeface="Calibri" panose="020F0502020204030204" pitchFamily="34" charset="0"/>
+                <a:ea typeface="Calibri" panose="020F0502020204030204" pitchFamily="34" charset="0"/>
+                <a:cs typeface="Calibri" panose="020F0502020204030204" pitchFamily="34" charset="0"/>
+              </a:rPr>
+              <a:t>Example: GCC</a:t>
+            </a:r>
+          </a:p>
+        </p:txBody>
+      </p:sp>
+    </p:spTree>
+    <p:extLst>
+      <p:ext uri="{BB962C8B-B14F-4D97-AF65-F5344CB8AC3E}">
+        <p14:creationId xmlns:p14="http://schemas.microsoft.com/office/powerpoint/2010/main" val="1754349297"/>
+      </p:ext>
+    </p:extLst>
+  </p:cSld>
+  <p:clrMapOvr>
+    <a:masterClrMapping/>
+  </p:clrMapOvr>
+</p:sld>
+</file>
+
+<file path=ppt/slides/slide8.xml><?xml version="1.0" encoding="utf-8"?>
+<p:sld xmlns:a="http://schemas.openxmlformats.org/drawingml/2006/main" xmlns:r="http://schemas.openxmlformats.org/officeDocument/2006/relationships" xmlns:p="http://schemas.openxmlformats.org/presentationml/2006/main">
+  <p:cSld>
+    <p:spTree>
+      <p:nvGrpSpPr>
+        <p:cNvPr id="1" name="">
+          <a:extLst>
+            <a:ext uri="{FF2B5EF4-FFF2-40B4-BE49-F238E27FC236}">
+              <a16:creationId xmlns:a16="http://schemas.microsoft.com/office/drawing/2014/main" id="{BA06C3CD-83A2-A0BB-131A-726A42516FA3}"/>
+            </a:ext>
+          </a:extLst>
+        </p:cNvPr>
+        <p:cNvGrpSpPr/>
+        <p:nvPr/>
+      </p:nvGrpSpPr>
+      <p:grpSpPr>
+        <a:xfrm>
+          <a:off x="0" y="0"/>
+          <a:ext cx="0" cy="0"/>
+          <a:chOff x="0" y="0"/>
+          <a:chExt cx="0" cy="0"/>
+        </a:xfrm>
+      </p:grpSpPr>
+      <p:sp>
+        <p:nvSpPr>
+          <p:cNvPr id="2" name="TextBox 1">
+            <a:extLst>
+              <a:ext uri="{FF2B5EF4-FFF2-40B4-BE49-F238E27FC236}">
+                <a16:creationId xmlns:a16="http://schemas.microsoft.com/office/drawing/2014/main" id="{C91293E0-C7E5-9139-B12E-4DE3F5A508F5}"/>
+              </a:ext>
+            </a:extLst>
+          </p:cNvPr>
+          <p:cNvSpPr txBox="1"/>
+          <p:nvPr/>
+        </p:nvSpPr>
+        <p:spPr>
+          <a:xfrm>
+            <a:off x="1464754" y="87975"/>
+            <a:ext cx="9262491" cy="646331"/>
+          </a:xfrm>
+          <a:prstGeom prst="rect">
+            <a:avLst/>
+          </a:prstGeom>
+          <a:noFill/>
+        </p:spPr>
+        <p:txBody>
+          <a:bodyPr wrap="square" rtlCol="0">
+            <a:spAutoFit/>
+          </a:bodyPr>
+          <a:lstStyle/>
+          <a:p>
+            <a:pPr algn="ctr"/>
+            <a:r>
+              <a:rPr lang="en-IN" sz="3600" u="sng" dirty="0">
+                <a:latin typeface="Calibri" panose="020F0502020204030204" pitchFamily="34" charset="0"/>
+                <a:ea typeface="Calibri" panose="020F0502020204030204" pitchFamily="34" charset="0"/>
+                <a:cs typeface="Calibri" panose="020F0502020204030204" pitchFamily="34" charset="0"/>
+              </a:rPr>
+              <a:t>SYMBOL TABLE</a:t>
+            </a:r>
+          </a:p>
+        </p:txBody>
+      </p:sp>
+      <p:sp>
+        <p:nvSpPr>
+          <p:cNvPr id="3" name="TextBox 2">
+            <a:extLst>
+              <a:ext uri="{FF2B5EF4-FFF2-40B4-BE49-F238E27FC236}">
+                <a16:creationId xmlns:a16="http://schemas.microsoft.com/office/drawing/2014/main" id="{CF60E85A-F056-6772-FA7F-48C23F37947C}"/>
+              </a:ext>
+            </a:extLst>
+          </p:cNvPr>
+          <p:cNvSpPr txBox="1"/>
+          <p:nvPr/>
+        </p:nvSpPr>
+        <p:spPr>
+          <a:xfrm>
+            <a:off x="1117091" y="1166842"/>
+            <a:ext cx="9957816" cy="4524315"/>
+          </a:xfrm>
+          <a:prstGeom prst="rect">
+            <a:avLst/>
+          </a:prstGeom>
+          <a:noFill/>
+        </p:spPr>
+        <p:txBody>
+          <a:bodyPr wrap="square" rtlCol="0">
+            <a:spAutoFit/>
+          </a:bodyPr>
+          <a:lstStyle/>
+          <a:p>
+            <a:r>
+              <a:rPr lang="en-US" dirty="0">
+                <a:latin typeface="Calibri" panose="020F0502020204030204" pitchFamily="34" charset="0"/>
+                <a:ea typeface="Calibri" panose="020F0502020204030204" pitchFamily="34" charset="0"/>
+                <a:cs typeface="Calibri" panose="020F0502020204030204" pitchFamily="34" charset="0"/>
+              </a:rPr>
+              <a:t>With the emergence of high-level programming languages, there was a need for a language translator which can convert the high-level language to assembly language, which is then converted by an assembler to machine language.</a:t>
+            </a:r>
+          </a:p>
+          <a:p>
+            <a:endParaRPr lang="en-US" dirty="0">
+              <a:latin typeface="Calibri" panose="020F0502020204030204" pitchFamily="34" charset="0"/>
+              <a:ea typeface="Calibri" panose="020F0502020204030204" pitchFamily="34" charset="0"/>
+              <a:cs typeface="Calibri" panose="020F0502020204030204" pitchFamily="34" charset="0"/>
+            </a:endParaRPr>
+          </a:p>
+          <a:p>
+            <a:r>
+              <a:rPr lang="en-US" dirty="0">
+                <a:latin typeface="Calibri" panose="020F0502020204030204" pitchFamily="34" charset="0"/>
+                <a:ea typeface="Calibri" panose="020F0502020204030204" pitchFamily="34" charset="0"/>
+                <a:cs typeface="Calibri" panose="020F0502020204030204" pitchFamily="34" charset="0"/>
+              </a:rPr>
+              <a:t>This language translator which can convert the high-level language to assembly language is basically the </a:t>
+            </a:r>
+            <a:r>
+              <a:rPr lang="en-US" b="1" dirty="0">
+                <a:latin typeface="Calibri" panose="020F0502020204030204" pitchFamily="34" charset="0"/>
+                <a:ea typeface="Calibri" panose="020F0502020204030204" pitchFamily="34" charset="0"/>
+                <a:cs typeface="Calibri" panose="020F0502020204030204" pitchFamily="34" charset="0"/>
+              </a:rPr>
+              <a:t>compiler</a:t>
+            </a:r>
+            <a:r>
+              <a:rPr lang="en-US" dirty="0">
+                <a:latin typeface="Calibri" panose="020F0502020204030204" pitchFamily="34" charset="0"/>
+                <a:ea typeface="Calibri" panose="020F0502020204030204" pitchFamily="34" charset="0"/>
+                <a:cs typeface="Calibri" panose="020F0502020204030204" pitchFamily="34" charset="0"/>
+              </a:rPr>
+              <a:t>.</a:t>
+            </a:r>
+          </a:p>
+          <a:p>
+            <a:endParaRPr lang="en-US" dirty="0">
+              <a:latin typeface="Calibri" panose="020F0502020204030204" pitchFamily="34" charset="0"/>
+              <a:ea typeface="Calibri" panose="020F0502020204030204" pitchFamily="34" charset="0"/>
+              <a:cs typeface="Calibri" panose="020F0502020204030204" pitchFamily="34" charset="0"/>
+            </a:endParaRPr>
+          </a:p>
+          <a:p>
+            <a:r>
+              <a:rPr lang="en-US" dirty="0">
+                <a:latin typeface="Calibri" panose="020F0502020204030204" pitchFamily="34" charset="0"/>
+                <a:ea typeface="Calibri" panose="020F0502020204030204" pitchFamily="34" charset="0"/>
+                <a:cs typeface="Calibri" panose="020F0502020204030204" pitchFamily="34" charset="0"/>
+              </a:rPr>
+              <a:t>On the other hand, there is another type of language translator which differs from the compiler in the sense that it directly executes high-level code line by line without generating intermediate assembly or machine code files. It reads one line (or statement) of high-level code, converts it directly into machine instructions in memory and executes the machine instructions immediately. This process is then repeated for the next lines of code until the whole program is executed. This type of language translator is known as the </a:t>
+            </a:r>
+            <a:r>
+              <a:rPr lang="en-US" b="1" dirty="0">
+                <a:latin typeface="Calibri" panose="020F0502020204030204" pitchFamily="34" charset="0"/>
+                <a:ea typeface="Calibri" panose="020F0502020204030204" pitchFamily="34" charset="0"/>
+                <a:cs typeface="Calibri" panose="020F0502020204030204" pitchFamily="34" charset="0"/>
+              </a:rPr>
+              <a:t>interpreter</a:t>
+            </a:r>
+            <a:r>
+              <a:rPr lang="en-US" dirty="0">
+                <a:latin typeface="Calibri" panose="020F0502020204030204" pitchFamily="34" charset="0"/>
+                <a:ea typeface="Calibri" panose="020F0502020204030204" pitchFamily="34" charset="0"/>
+                <a:cs typeface="Calibri" panose="020F0502020204030204" pitchFamily="34" charset="0"/>
+              </a:rPr>
+              <a:t>.</a:t>
+            </a:r>
+          </a:p>
+          <a:p>
+            <a:endParaRPr lang="en-US" dirty="0">
+              <a:latin typeface="Calibri" panose="020F0502020204030204" pitchFamily="34" charset="0"/>
+              <a:ea typeface="Calibri" panose="020F0502020204030204" pitchFamily="34" charset="0"/>
+              <a:cs typeface="Calibri" panose="020F0502020204030204" pitchFamily="34" charset="0"/>
+            </a:endParaRPr>
+          </a:p>
+          <a:p>
+            <a:r>
+              <a:rPr lang="en-US" dirty="0">
+                <a:latin typeface="Calibri" panose="020F0502020204030204" pitchFamily="34" charset="0"/>
+                <a:ea typeface="Calibri" panose="020F0502020204030204" pitchFamily="34" charset="0"/>
+                <a:cs typeface="Calibri" panose="020F0502020204030204" pitchFamily="34" charset="0"/>
+              </a:rPr>
+              <a:t>Now let’s talk in detail about these two primary types of language translators – compilers and interpreters.</a:t>
+            </a:r>
+          </a:p>
+        </p:txBody>
+      </p:sp>
+    </p:spTree>
+    <p:extLst>
+      <p:ext uri="{BB962C8B-B14F-4D97-AF65-F5344CB8AC3E}">
+        <p14:creationId xmlns:p14="http://schemas.microsoft.com/office/powerpoint/2010/main" val="1966904918"/>
+      </p:ext>
+    </p:extLst>
+  </p:cSld>
+  <p:clrMapOvr>
+    <a:masterClrMapping/>
+  </p:clrMapOvr>
+</p:sld>
+</file>
+
+<file path=ppt/slides/slide9.xml><?xml version="1.0" encoding="utf-8"?>
 <p:sld xmlns:a="http://schemas.openxmlformats.org/drawingml/2006/main" xmlns:r="http://schemas.openxmlformats.org/officeDocument/2006/relationships" xmlns:p="http://schemas.openxmlformats.org/presentationml/2006/main">
   <p:cSld>
     <p:spTree>
@@ -6360,8 +7350,8 @@
         </p:nvSpPr>
         <p:spPr>
           <a:xfrm>
-            <a:off x="1117091" y="1166842"/>
-            <a:ext cx="9957816" cy="369332"/>
+            <a:off x="1117091" y="734306"/>
+            <a:ext cx="9957816" cy="1754326"/>
           </a:xfrm>
           <a:prstGeom prst="rect">
             <a:avLst/>
@@ -6374,14 +7364,692 @@
           </a:bodyPr>
           <a:lstStyle/>
           <a:p>
-            <a:endParaRPr lang="en-US" dirty="0">
+            <a:pPr marL="285750" indent="-285750">
+              <a:buFont typeface="Arial" panose="020B0604020202020204" pitchFamily="34" charset="0"/>
+              <a:buChar char="•"/>
+            </a:pPr>
+            <a:r>
+              <a:rPr lang="en-US" dirty="0">
+                <a:latin typeface="Calibri" panose="020F0502020204030204" pitchFamily="34" charset="0"/>
+                <a:ea typeface="Calibri" panose="020F0502020204030204" pitchFamily="34" charset="0"/>
+                <a:cs typeface="Calibri" panose="020F0502020204030204" pitchFamily="34" charset="0"/>
+              </a:rPr>
+              <a:t>The lexical analyzer takes the C program (stream of characters) as input, scans every character of the program and groups characters into tokens to produce the token stream (using Maximal Munch Rule).</a:t>
+            </a:r>
+          </a:p>
+          <a:p>
+            <a:pPr marL="285750" indent="-285750">
+              <a:buFont typeface="Arial" panose="020B0604020202020204" pitchFamily="34" charset="0"/>
+              <a:buChar char="•"/>
+            </a:pPr>
+            <a:r>
+              <a:rPr lang="en-US" dirty="0">
+                <a:latin typeface="Calibri" panose="020F0502020204030204" pitchFamily="34" charset="0"/>
+                <a:ea typeface="Calibri" panose="020F0502020204030204" pitchFamily="34" charset="0"/>
+                <a:cs typeface="Calibri" panose="020F0502020204030204" pitchFamily="34" charset="0"/>
+              </a:rPr>
+              <a:t>It makes an entry of identifiers into the symbol table.</a:t>
+            </a:r>
+          </a:p>
+          <a:p>
+            <a:pPr marL="285750" indent="-285750">
+              <a:buFont typeface="Arial" panose="020B0604020202020204" pitchFamily="34" charset="0"/>
+              <a:buChar char="•"/>
+            </a:pPr>
+            <a:r>
+              <a:rPr lang="en-US" dirty="0">
+                <a:latin typeface="Calibri" panose="020F0502020204030204" pitchFamily="34" charset="0"/>
+                <a:ea typeface="Calibri" panose="020F0502020204030204" pitchFamily="34" charset="0"/>
+                <a:cs typeface="Calibri" panose="020F0502020204030204" pitchFamily="34" charset="0"/>
+              </a:rPr>
+              <a:t>Besides tokenizing, the lexical analyzer also removes whitespaces (spaces, tabs, newlines), ignores comments (starting with //), and reports lexical errors to the error handler (like illegal characters: @, # etc. in variable names).</a:t>
+            </a:r>
+          </a:p>
+        </p:txBody>
+      </p:sp>
+      <p:sp>
+        <p:nvSpPr>
+          <p:cNvPr id="6" name="TextBox 5">
+            <a:extLst>
+              <a:ext uri="{FF2B5EF4-FFF2-40B4-BE49-F238E27FC236}">
+                <a16:creationId xmlns:a16="http://schemas.microsoft.com/office/drawing/2014/main" id="{57C8B0F9-E4E2-6892-9765-827CF6CC1485}"/>
+              </a:ext>
+            </a:extLst>
+          </p:cNvPr>
+          <p:cNvSpPr txBox="1"/>
+          <p:nvPr/>
+        </p:nvSpPr>
+        <p:spPr>
+          <a:xfrm>
+            <a:off x="1117091" y="3134963"/>
+            <a:ext cx="1324357" cy="923330"/>
+          </a:xfrm>
+          <a:prstGeom prst="rect">
+            <a:avLst/>
+          </a:prstGeom>
+          <a:noFill/>
+        </p:spPr>
+        <p:txBody>
+          <a:bodyPr wrap="square" rtlCol="0">
+            <a:spAutoFit/>
+          </a:bodyPr>
+          <a:lstStyle/>
+          <a:p>
+            <a:r>
+              <a:rPr lang="en-IN" dirty="0">
+                <a:latin typeface="Calibri" panose="020F0502020204030204" pitchFamily="34" charset="0"/>
+                <a:ea typeface="Calibri" panose="020F0502020204030204" pitchFamily="34" charset="0"/>
+                <a:cs typeface="Calibri" panose="020F0502020204030204" pitchFamily="34" charset="0"/>
+              </a:rPr>
+              <a:t>Example:</a:t>
+            </a:r>
+          </a:p>
+          <a:p>
+            <a:endParaRPr lang="en-IN" dirty="0">
               <a:latin typeface="Calibri" panose="020F0502020204030204" pitchFamily="34" charset="0"/>
               <a:ea typeface="Calibri" panose="020F0502020204030204" pitchFamily="34" charset="0"/>
               <a:cs typeface="Calibri" panose="020F0502020204030204" pitchFamily="34" charset="0"/>
             </a:endParaRPr>
           </a:p>
-        </p:txBody>
-      </p:sp>
+          <a:p>
+            <a:r>
+              <a:rPr lang="en-IN" dirty="0">
+                <a:latin typeface="Calibri" panose="020F0502020204030204" pitchFamily="34" charset="0"/>
+                <a:ea typeface="Calibri" panose="020F0502020204030204" pitchFamily="34" charset="0"/>
+                <a:cs typeface="Calibri" panose="020F0502020204030204" pitchFamily="34" charset="0"/>
+              </a:rPr>
+              <a:t>int x = 5 + y;</a:t>
+            </a:r>
+          </a:p>
+        </p:txBody>
+      </p:sp>
+      <p:graphicFrame>
+        <p:nvGraphicFramePr>
+          <p:cNvPr id="8" name="Table 7">
+            <a:extLst>
+              <a:ext uri="{FF2B5EF4-FFF2-40B4-BE49-F238E27FC236}">
+                <a16:creationId xmlns:a16="http://schemas.microsoft.com/office/drawing/2014/main" id="{4D6E0C0E-461B-E46E-7E37-A8DAD150117D}"/>
+              </a:ext>
+            </a:extLst>
+          </p:cNvPr>
+          <p:cNvGraphicFramePr>
+            <a:graphicFrameLocks noGrp="1"/>
+          </p:cNvGraphicFramePr>
+          <p:nvPr>
+            <p:extLst>
+              <p:ext uri="{D42A27DB-BD31-4B8C-83A1-F6EECF244321}">
+                <p14:modId xmlns:p14="http://schemas.microsoft.com/office/powerpoint/2010/main" val="89542220"/>
+              </p:ext>
+            </p:extLst>
+          </p:nvPr>
+        </p:nvGraphicFramePr>
+        <p:xfrm>
+          <a:off x="3458971" y="2813642"/>
+          <a:ext cx="5274056" cy="2966720"/>
+        </p:xfrm>
+        <a:graphic>
+          <a:graphicData uri="http://schemas.openxmlformats.org/drawingml/2006/table">
+            <a:tbl>
+              <a:tblPr firstRow="1" bandRow="1">
+                <a:tableStyleId>{912C8C85-51F0-491E-9774-3900AFEF0FD7}</a:tableStyleId>
+              </a:tblPr>
+              <a:tblGrid>
+                <a:gridCol w="2637028">
+                  <a:extLst>
+                    <a:ext uri="{9D8B030D-6E8A-4147-A177-3AD203B41FA5}">
+                      <a16:colId xmlns:a16="http://schemas.microsoft.com/office/drawing/2014/main" val="2880539224"/>
+                    </a:ext>
+                  </a:extLst>
+                </a:gridCol>
+                <a:gridCol w="2637028">
+                  <a:extLst>
+                    <a:ext uri="{9D8B030D-6E8A-4147-A177-3AD203B41FA5}">
+                      <a16:colId xmlns:a16="http://schemas.microsoft.com/office/drawing/2014/main" val="3549928110"/>
+                    </a:ext>
+                  </a:extLst>
+                </a:gridCol>
+              </a:tblGrid>
+              <a:tr h="370840">
+                <a:tc>
+                  <a:txBody>
+                    <a:bodyPr/>
+                    <a:lstStyle/>
+                    <a:p>
+                      <a:pPr algn="ctr"/>
+                      <a:r>
+                        <a:rPr lang="en-IN" dirty="0"/>
+                        <a:t>Lexemes</a:t>
+                      </a:r>
+                      <a:endParaRPr lang="en-IN" dirty="0">
+                        <a:latin typeface="Calibri" panose="020F0502020204030204" pitchFamily="34" charset="0"/>
+                        <a:ea typeface="Calibri" panose="020F0502020204030204" pitchFamily="34" charset="0"/>
+                        <a:cs typeface="Calibri" panose="020F0502020204030204" pitchFamily="34" charset="0"/>
+                      </a:endParaRPr>
+                    </a:p>
+                  </a:txBody>
+                  <a:tcPr/>
+                </a:tc>
+                <a:tc>
+                  <a:txBody>
+                    <a:bodyPr/>
+                    <a:lstStyle/>
+                    <a:p>
+                      <a:pPr algn="ctr"/>
+                      <a:r>
+                        <a:rPr lang="en-IN" dirty="0"/>
+                        <a:t>Tokens</a:t>
+                      </a:r>
+                      <a:endParaRPr lang="en-IN" dirty="0">
+                        <a:latin typeface="Calibri" panose="020F0502020204030204" pitchFamily="34" charset="0"/>
+                        <a:ea typeface="Calibri" panose="020F0502020204030204" pitchFamily="34" charset="0"/>
+                        <a:cs typeface="Calibri" panose="020F0502020204030204" pitchFamily="34" charset="0"/>
+                      </a:endParaRPr>
+                    </a:p>
+                  </a:txBody>
+                  <a:tcPr/>
+                </a:tc>
+                <a:extLst>
+                  <a:ext uri="{0D108BD9-81ED-4DB2-BD59-A6C34878D82A}">
+                    <a16:rowId xmlns:a16="http://schemas.microsoft.com/office/drawing/2014/main" val="1382319431"/>
+                  </a:ext>
+                </a:extLst>
+              </a:tr>
+              <a:tr h="370840">
+                <a:tc>
+                  <a:txBody>
+                    <a:bodyPr/>
+                    <a:lstStyle/>
+                    <a:p>
+                      <a:pPr algn="ctr"/>
+                      <a:r>
+                        <a:rPr lang="en-IN" dirty="0"/>
+                        <a:t>int</a:t>
+                      </a:r>
+                      <a:endParaRPr lang="en-IN" dirty="0">
+                        <a:latin typeface="Calibri" panose="020F0502020204030204" pitchFamily="34" charset="0"/>
+                        <a:ea typeface="Calibri" panose="020F0502020204030204" pitchFamily="34" charset="0"/>
+                        <a:cs typeface="Calibri" panose="020F0502020204030204" pitchFamily="34" charset="0"/>
+                      </a:endParaRPr>
+                    </a:p>
+                  </a:txBody>
+                  <a:tcPr/>
+                </a:tc>
+                <a:tc>
+                  <a:txBody>
+                    <a:bodyPr/>
+                    <a:lstStyle/>
+                    <a:p>
+                      <a:pPr algn="ctr"/>
+                      <a:r>
+                        <a:rPr lang="en-IN" dirty="0"/>
+                        <a:t>Keyword</a:t>
+                      </a:r>
+                      <a:endParaRPr lang="en-IN" dirty="0">
+                        <a:latin typeface="Calibri" panose="020F0502020204030204" pitchFamily="34" charset="0"/>
+                        <a:ea typeface="Calibri" panose="020F0502020204030204" pitchFamily="34" charset="0"/>
+                        <a:cs typeface="Calibri" panose="020F0502020204030204" pitchFamily="34" charset="0"/>
+                      </a:endParaRPr>
+                    </a:p>
+                  </a:txBody>
+                  <a:tcPr/>
+                </a:tc>
+                <a:extLst>
+                  <a:ext uri="{0D108BD9-81ED-4DB2-BD59-A6C34878D82A}">
+                    <a16:rowId xmlns:a16="http://schemas.microsoft.com/office/drawing/2014/main" val="1266414626"/>
+                  </a:ext>
+                </a:extLst>
+              </a:tr>
+              <a:tr h="370840">
+                <a:tc>
+                  <a:txBody>
+                    <a:bodyPr/>
+                    <a:lstStyle/>
+                    <a:p>
+                      <a:pPr algn="ctr"/>
+                      <a:r>
+                        <a:rPr lang="en-IN" dirty="0"/>
+                        <a:t>x</a:t>
+                      </a:r>
+                      <a:endParaRPr lang="en-IN" dirty="0">
+                        <a:latin typeface="Calibri" panose="020F0502020204030204" pitchFamily="34" charset="0"/>
+                        <a:ea typeface="Calibri" panose="020F0502020204030204" pitchFamily="34" charset="0"/>
+                        <a:cs typeface="Calibri" panose="020F0502020204030204" pitchFamily="34" charset="0"/>
+                      </a:endParaRPr>
+                    </a:p>
+                  </a:txBody>
+                  <a:tcPr/>
+                </a:tc>
+                <a:tc>
+                  <a:txBody>
+                    <a:bodyPr/>
+                    <a:lstStyle/>
+                    <a:p>
+                      <a:pPr algn="ctr"/>
+                      <a:r>
+                        <a:rPr lang="en-IN" dirty="0"/>
+                        <a:t>Identifier</a:t>
+                      </a:r>
+                      <a:endParaRPr lang="en-IN" dirty="0">
+                        <a:latin typeface="Calibri" panose="020F0502020204030204" pitchFamily="34" charset="0"/>
+                        <a:ea typeface="Calibri" panose="020F0502020204030204" pitchFamily="34" charset="0"/>
+                        <a:cs typeface="Calibri" panose="020F0502020204030204" pitchFamily="34" charset="0"/>
+                      </a:endParaRPr>
+                    </a:p>
+                  </a:txBody>
+                  <a:tcPr/>
+                </a:tc>
+                <a:extLst>
+                  <a:ext uri="{0D108BD9-81ED-4DB2-BD59-A6C34878D82A}">
+                    <a16:rowId xmlns:a16="http://schemas.microsoft.com/office/drawing/2014/main" val="210740277"/>
+                  </a:ext>
+                </a:extLst>
+              </a:tr>
+              <a:tr h="370840">
+                <a:tc>
+                  <a:txBody>
+                    <a:bodyPr/>
+                    <a:lstStyle/>
+                    <a:p>
+                      <a:pPr algn="ctr"/>
+                      <a:r>
+                        <a:rPr lang="en-IN" dirty="0"/>
+                        <a:t>=</a:t>
+                      </a:r>
+                      <a:endParaRPr lang="en-IN" dirty="0">
+                        <a:latin typeface="Calibri" panose="020F0502020204030204" pitchFamily="34" charset="0"/>
+                        <a:ea typeface="Calibri" panose="020F0502020204030204" pitchFamily="34" charset="0"/>
+                        <a:cs typeface="Calibri" panose="020F0502020204030204" pitchFamily="34" charset="0"/>
+                      </a:endParaRPr>
+                    </a:p>
+                  </a:txBody>
+                  <a:tcPr/>
+                </a:tc>
+                <a:tc>
+                  <a:txBody>
+                    <a:bodyPr/>
+                    <a:lstStyle/>
+                    <a:p>
+                      <a:pPr algn="ctr"/>
+                      <a:r>
+                        <a:rPr lang="en-IN" dirty="0"/>
+                        <a:t>Operator</a:t>
+                      </a:r>
+                      <a:endParaRPr lang="en-IN" dirty="0">
+                        <a:latin typeface="Calibri" panose="020F0502020204030204" pitchFamily="34" charset="0"/>
+                        <a:ea typeface="Calibri" panose="020F0502020204030204" pitchFamily="34" charset="0"/>
+                        <a:cs typeface="Calibri" panose="020F0502020204030204" pitchFamily="34" charset="0"/>
+                      </a:endParaRPr>
+                    </a:p>
+                  </a:txBody>
+                  <a:tcPr/>
+                </a:tc>
+                <a:extLst>
+                  <a:ext uri="{0D108BD9-81ED-4DB2-BD59-A6C34878D82A}">
+                    <a16:rowId xmlns:a16="http://schemas.microsoft.com/office/drawing/2014/main" val="2354160895"/>
+                  </a:ext>
+                </a:extLst>
+              </a:tr>
+              <a:tr h="370840">
+                <a:tc>
+                  <a:txBody>
+                    <a:bodyPr/>
+                    <a:lstStyle/>
+                    <a:p>
+                      <a:pPr algn="ctr"/>
+                      <a:r>
+                        <a:rPr lang="en-IN" dirty="0"/>
+                        <a:t>5</a:t>
+                      </a:r>
+                      <a:endParaRPr lang="en-IN" dirty="0">
+                        <a:latin typeface="Calibri" panose="020F0502020204030204" pitchFamily="34" charset="0"/>
+                        <a:ea typeface="Calibri" panose="020F0502020204030204" pitchFamily="34" charset="0"/>
+                        <a:cs typeface="Calibri" panose="020F0502020204030204" pitchFamily="34" charset="0"/>
+                      </a:endParaRPr>
+                    </a:p>
+                  </a:txBody>
+                  <a:tcPr/>
+                </a:tc>
+                <a:tc>
+                  <a:txBody>
+                    <a:bodyPr/>
+                    <a:lstStyle/>
+                    <a:p>
+                      <a:pPr algn="ctr"/>
+                      <a:r>
+                        <a:rPr lang="en-IN" dirty="0"/>
+                        <a:t>Literal </a:t>
+                      </a:r>
+                      <a:endParaRPr lang="en-IN" dirty="0">
+                        <a:latin typeface="Calibri" panose="020F0502020204030204" pitchFamily="34" charset="0"/>
+                        <a:ea typeface="Calibri" panose="020F0502020204030204" pitchFamily="34" charset="0"/>
+                        <a:cs typeface="Calibri" panose="020F0502020204030204" pitchFamily="34" charset="0"/>
+                      </a:endParaRPr>
+                    </a:p>
+                  </a:txBody>
+                  <a:tcPr/>
+                </a:tc>
+                <a:extLst>
+                  <a:ext uri="{0D108BD9-81ED-4DB2-BD59-A6C34878D82A}">
+                    <a16:rowId xmlns:a16="http://schemas.microsoft.com/office/drawing/2014/main" val="1994576141"/>
+                  </a:ext>
+                </a:extLst>
+              </a:tr>
+              <a:tr h="370840">
+                <a:tc>
+                  <a:txBody>
+                    <a:bodyPr/>
+                    <a:lstStyle/>
+                    <a:p>
+                      <a:pPr algn="ctr"/>
+                      <a:r>
+                        <a:rPr lang="en-IN" dirty="0"/>
+                        <a:t>+</a:t>
+                      </a:r>
+                      <a:endParaRPr lang="en-IN" dirty="0">
+                        <a:latin typeface="Calibri" panose="020F0502020204030204" pitchFamily="34" charset="0"/>
+                        <a:ea typeface="Calibri" panose="020F0502020204030204" pitchFamily="34" charset="0"/>
+                        <a:cs typeface="Calibri" panose="020F0502020204030204" pitchFamily="34" charset="0"/>
+                      </a:endParaRPr>
+                    </a:p>
+                  </a:txBody>
+                  <a:tcPr/>
+                </a:tc>
+                <a:tc>
+                  <a:txBody>
+                    <a:bodyPr/>
+                    <a:lstStyle/>
+                    <a:p>
+                      <a:pPr algn="ctr"/>
+                      <a:r>
+                        <a:rPr lang="en-IN" dirty="0"/>
+                        <a:t>Operator</a:t>
+                      </a:r>
+                      <a:endParaRPr lang="en-IN" dirty="0">
+                        <a:latin typeface="Calibri" panose="020F0502020204030204" pitchFamily="34" charset="0"/>
+                        <a:ea typeface="Calibri" panose="020F0502020204030204" pitchFamily="34" charset="0"/>
+                        <a:cs typeface="Calibri" panose="020F0502020204030204" pitchFamily="34" charset="0"/>
+                      </a:endParaRPr>
+                    </a:p>
+                  </a:txBody>
+                  <a:tcPr/>
+                </a:tc>
+                <a:extLst>
+                  <a:ext uri="{0D108BD9-81ED-4DB2-BD59-A6C34878D82A}">
+                    <a16:rowId xmlns:a16="http://schemas.microsoft.com/office/drawing/2014/main" val="1786099630"/>
+                  </a:ext>
+                </a:extLst>
+              </a:tr>
+              <a:tr h="370840">
+                <a:tc>
+                  <a:txBody>
+                    <a:bodyPr/>
+                    <a:lstStyle/>
+                    <a:p>
+                      <a:pPr algn="ctr"/>
+                      <a:r>
+                        <a:rPr lang="en-IN" dirty="0"/>
+                        <a:t>y</a:t>
+                      </a:r>
+                      <a:endParaRPr lang="en-IN" dirty="0">
+                        <a:latin typeface="Calibri" panose="020F0502020204030204" pitchFamily="34" charset="0"/>
+                        <a:ea typeface="Calibri" panose="020F0502020204030204" pitchFamily="34" charset="0"/>
+                        <a:cs typeface="Calibri" panose="020F0502020204030204" pitchFamily="34" charset="0"/>
+                      </a:endParaRPr>
+                    </a:p>
+                  </a:txBody>
+                  <a:tcPr/>
+                </a:tc>
+                <a:tc>
+                  <a:txBody>
+                    <a:bodyPr/>
+                    <a:lstStyle/>
+                    <a:p>
+                      <a:pPr algn="ctr"/>
+                      <a:r>
+                        <a:rPr lang="en-IN" dirty="0"/>
+                        <a:t>Identifier</a:t>
+                      </a:r>
+                      <a:endParaRPr lang="en-IN" dirty="0">
+                        <a:latin typeface="Calibri" panose="020F0502020204030204" pitchFamily="34" charset="0"/>
+                        <a:ea typeface="Calibri" panose="020F0502020204030204" pitchFamily="34" charset="0"/>
+                        <a:cs typeface="Calibri" panose="020F0502020204030204" pitchFamily="34" charset="0"/>
+                      </a:endParaRPr>
+                    </a:p>
+                  </a:txBody>
+                  <a:tcPr/>
+                </a:tc>
+                <a:extLst>
+                  <a:ext uri="{0D108BD9-81ED-4DB2-BD59-A6C34878D82A}">
+                    <a16:rowId xmlns:a16="http://schemas.microsoft.com/office/drawing/2014/main" val="2055069211"/>
+                  </a:ext>
+                </a:extLst>
+              </a:tr>
+              <a:tr h="370840">
+                <a:tc>
+                  <a:txBody>
+                    <a:bodyPr/>
+                    <a:lstStyle/>
+                    <a:p>
+                      <a:pPr algn="ctr"/>
+                      <a:r>
+                        <a:rPr lang="en-IN" dirty="0"/>
+                        <a:t>;</a:t>
+                      </a:r>
+                      <a:endParaRPr lang="en-IN" dirty="0">
+                        <a:latin typeface="Calibri" panose="020F0502020204030204" pitchFamily="34" charset="0"/>
+                        <a:ea typeface="Calibri" panose="020F0502020204030204" pitchFamily="34" charset="0"/>
+                        <a:cs typeface="Calibri" panose="020F0502020204030204" pitchFamily="34" charset="0"/>
+                      </a:endParaRPr>
+                    </a:p>
+                  </a:txBody>
+                  <a:tcPr/>
+                </a:tc>
+                <a:tc>
+                  <a:txBody>
+                    <a:bodyPr/>
+                    <a:lstStyle/>
+                    <a:p>
+                      <a:pPr algn="ctr"/>
+                      <a:r>
+                        <a:rPr lang="en-IN" dirty="0"/>
+                        <a:t>Separator</a:t>
+                      </a:r>
+                      <a:endParaRPr lang="en-IN" dirty="0">
+                        <a:latin typeface="Calibri" panose="020F0502020204030204" pitchFamily="34" charset="0"/>
+                        <a:ea typeface="Calibri" panose="020F0502020204030204" pitchFamily="34" charset="0"/>
+                        <a:cs typeface="Calibri" panose="020F0502020204030204" pitchFamily="34" charset="0"/>
+                      </a:endParaRPr>
+                    </a:p>
+                  </a:txBody>
+                  <a:tcPr/>
+                </a:tc>
+                <a:extLst>
+                  <a:ext uri="{0D108BD9-81ED-4DB2-BD59-A6C34878D82A}">
+                    <a16:rowId xmlns:a16="http://schemas.microsoft.com/office/drawing/2014/main" val="1522546171"/>
+                  </a:ext>
+                </a:extLst>
+              </a:tr>
+            </a:tbl>
+          </a:graphicData>
+        </a:graphic>
+      </p:graphicFrame>
+      <p:sp>
+        <p:nvSpPr>
+          <p:cNvPr id="9" name="TextBox 8">
+            <a:extLst>
+              <a:ext uri="{FF2B5EF4-FFF2-40B4-BE49-F238E27FC236}">
+                <a16:creationId xmlns:a16="http://schemas.microsoft.com/office/drawing/2014/main" id="{7E13F815-2097-A476-AB4D-A3051DE616AA}"/>
+              </a:ext>
+            </a:extLst>
+          </p:cNvPr>
+          <p:cNvSpPr txBox="1"/>
+          <p:nvPr/>
+        </p:nvSpPr>
+        <p:spPr>
+          <a:xfrm>
+            <a:off x="365760" y="6103527"/>
+            <a:ext cx="4343400" cy="646331"/>
+          </a:xfrm>
+          <a:prstGeom prst="rect">
+            <a:avLst/>
+          </a:prstGeom>
+          <a:noFill/>
+        </p:spPr>
+        <p:txBody>
+          <a:bodyPr wrap="square" rtlCol="0">
+            <a:spAutoFit/>
+          </a:bodyPr>
+          <a:lstStyle/>
+          <a:p>
+            <a:pPr marL="285750" indent="-285750">
+              <a:buFont typeface="Arial" panose="020B0604020202020204" pitchFamily="34" charset="0"/>
+              <a:buChar char="•"/>
+            </a:pPr>
+            <a:r>
+              <a:rPr lang="en-IN" dirty="0">
+                <a:solidFill>
+                  <a:schemeClr val="accent3">
+                    <a:lumMod val="20000"/>
+                    <a:lumOff val="80000"/>
+                  </a:schemeClr>
+                </a:solidFill>
+                <a:latin typeface="Calibri" panose="020F0502020204030204" pitchFamily="34" charset="0"/>
+                <a:ea typeface="Calibri" panose="020F0502020204030204" pitchFamily="34" charset="0"/>
+                <a:cs typeface="Calibri" panose="020F0502020204030204" pitchFamily="34" charset="0"/>
+              </a:rPr>
+              <a:t>int 1abc;		</a:t>
+            </a:r>
+            <a:r>
+              <a:rPr lang="en-IN" dirty="0">
+                <a:solidFill>
+                  <a:schemeClr val="accent3">
+                    <a:lumMod val="20000"/>
+                    <a:lumOff val="80000"/>
+                  </a:schemeClr>
+                </a:solidFill>
+                <a:latin typeface="Calibri" panose="020F0502020204030204" pitchFamily="34" charset="0"/>
+                <a:ea typeface="Calibri" panose="020F0502020204030204" pitchFamily="34" charset="0"/>
+                <a:cs typeface="Calibri" panose="020F0502020204030204" pitchFamily="34" charset="0"/>
+                <a:sym typeface="Wingdings" panose="05000000000000000000" pitchFamily="2" charset="2"/>
+              </a:rPr>
+              <a:t>	invalid sequence</a:t>
+            </a:r>
+          </a:p>
+          <a:p>
+            <a:pPr marL="285750" indent="-285750">
+              <a:buFont typeface="Arial" panose="020B0604020202020204" pitchFamily="34" charset="0"/>
+              <a:buChar char="•"/>
+            </a:pPr>
+            <a:r>
+              <a:rPr lang="en-IN" dirty="0">
+                <a:solidFill>
+                  <a:schemeClr val="accent3">
+                    <a:lumMod val="20000"/>
+                    <a:lumOff val="80000"/>
+                  </a:schemeClr>
+                </a:solidFill>
+                <a:latin typeface="Calibri" panose="020F0502020204030204" pitchFamily="34" charset="0"/>
+                <a:ea typeface="Calibri" panose="020F0502020204030204" pitchFamily="34" charset="0"/>
+                <a:cs typeface="Calibri" panose="020F0502020204030204" pitchFamily="34" charset="0"/>
+                <a:sym typeface="Wingdings" panose="05000000000000000000" pitchFamily="2" charset="2"/>
+              </a:rPr>
+              <a:t>char ch = ‘a;		end quote missing</a:t>
+            </a:r>
+          </a:p>
+        </p:txBody>
+      </p:sp>
+      <p:sp>
+        <p:nvSpPr>
+          <p:cNvPr id="10" name="TextBox 9">
+            <a:extLst>
+              <a:ext uri="{FF2B5EF4-FFF2-40B4-BE49-F238E27FC236}">
+                <a16:creationId xmlns:a16="http://schemas.microsoft.com/office/drawing/2014/main" id="{710A0249-1EF1-FE76-AEAD-FBA7BD72BFB5}"/>
+              </a:ext>
+            </a:extLst>
+          </p:cNvPr>
+          <p:cNvSpPr txBox="1"/>
+          <p:nvPr/>
+        </p:nvSpPr>
+        <p:spPr>
+          <a:xfrm>
+            <a:off x="5760720" y="6242026"/>
+            <a:ext cx="1426464" cy="369332"/>
+          </a:xfrm>
+          <a:prstGeom prst="rect">
+            <a:avLst/>
+          </a:prstGeom>
+          <a:noFill/>
+        </p:spPr>
+        <p:txBody>
+          <a:bodyPr wrap="square" rtlCol="0">
+            <a:spAutoFit/>
+          </a:bodyPr>
+          <a:lstStyle/>
+          <a:p>
+            <a:r>
+              <a:rPr lang="en-IN" dirty="0">
+                <a:solidFill>
+                  <a:schemeClr val="accent3">
+                    <a:lumMod val="20000"/>
+                    <a:lumOff val="80000"/>
+                  </a:schemeClr>
+                </a:solidFill>
+                <a:latin typeface="Calibri" panose="020F0502020204030204" pitchFamily="34" charset="0"/>
+                <a:ea typeface="Calibri" panose="020F0502020204030204" pitchFamily="34" charset="0"/>
+                <a:cs typeface="Calibri" panose="020F0502020204030204" pitchFamily="34" charset="0"/>
+              </a:rPr>
+              <a:t>Lexical Errors</a:t>
+            </a:r>
+          </a:p>
+        </p:txBody>
+      </p:sp>
+      <p:cxnSp>
+        <p:nvCxnSpPr>
+          <p:cNvPr id="12" name="Straight Arrow Connector 11">
+            <a:extLst>
+              <a:ext uri="{FF2B5EF4-FFF2-40B4-BE49-F238E27FC236}">
+                <a16:creationId xmlns:a16="http://schemas.microsoft.com/office/drawing/2014/main" id="{E42002AE-F055-D88F-98BD-8E82A148B1FE}"/>
+              </a:ext>
+            </a:extLst>
+          </p:cNvPr>
+          <p:cNvCxnSpPr>
+            <a:stCxn id="9" idx="3"/>
+            <a:endCxn id="10" idx="1"/>
+          </p:cNvCxnSpPr>
+          <p:nvPr/>
+        </p:nvCxnSpPr>
+        <p:spPr>
+          <a:xfrm flipV="1">
+            <a:off x="4709160" y="6426692"/>
+            <a:ext cx="1051560" cy="1"/>
+          </a:xfrm>
+          <a:prstGeom prst="straightConnector1">
+            <a:avLst/>
+          </a:prstGeom>
+          <a:ln w="28575">
+            <a:solidFill>
+              <a:schemeClr val="bg1">
+                <a:lumMod val="95000"/>
+              </a:schemeClr>
+            </a:solidFill>
+            <a:tailEnd type="triangle"/>
+          </a:ln>
+        </p:spPr>
+        <p:style>
+          <a:lnRef idx="1">
+            <a:schemeClr val="accent1"/>
+          </a:lnRef>
+          <a:fillRef idx="0">
+            <a:schemeClr val="accent1"/>
+          </a:fillRef>
+          <a:effectRef idx="0">
+            <a:schemeClr val="accent1"/>
+          </a:effectRef>
+          <a:fontRef idx="minor">
+            <a:schemeClr val="tx1"/>
+          </a:fontRef>
+        </p:style>
+      </p:cxnSp>
     </p:spTree>
     <p:extLst>
       <p:ext uri="{BB962C8B-B14F-4D97-AF65-F5344CB8AC3E}">
